--- a/2.NW 사진&프레젠테이션 자료/5. URL검색/프레젠테이션1.pptx
+++ b/2.NW 사진&프레젠테이션 자료/5. URL검색/프레젠테이션1.pptx
@@ -6,10 +6,14 @@
   </p:sldMasterIdLst>
   <p:sldIdLst>
     <p:sldId id="256" r:id="rId2"/>
-    <p:sldId id="257" r:id="rId3"/>
-    <p:sldId id="258" r:id="rId4"/>
-    <p:sldId id="260" r:id="rId5"/>
-    <p:sldId id="259" r:id="rId6"/>
+    <p:sldId id="258" r:id="rId3"/>
+    <p:sldId id="260" r:id="rId4"/>
+    <p:sldId id="261" r:id="rId5"/>
+    <p:sldId id="262" r:id="rId6"/>
+    <p:sldId id="263" r:id="rId7"/>
+    <p:sldId id="265" r:id="rId8"/>
+    <p:sldId id="264" r:id="rId9"/>
+    <p:sldId id="259" r:id="rId10"/>
   </p:sldIdLst>
   <p:sldSz cx="9144000" cy="6858000" type="screen4x3"/>
   <p:notesSz cx="6858000" cy="9144000"/>
@@ -292,7 +296,8 @@
           <a:p>
             <a:fld id="{F1742722-62B8-4441-905B-0E5B46C38F78}" type="datetimeFigureOut">
               <a:rPr lang="ko-KR" altLang="en-US" smtClean="0"/>
-              <a:t>2021-05-22</a:t>
+              <a:pPr/>
+              <a:t>2021-05-29</a:t>
             </a:fld>
             <a:endParaRPr lang="ko-KR" altLang="en-US"/>
           </a:p>
@@ -334,6 +339,7 @@
           <a:p>
             <a:fld id="{5C2ACEA0-67A3-44FB-A63C-7EC6E5E63E56}" type="slidenum">
               <a:rPr lang="ko-KR" altLang="en-US" smtClean="0"/>
+              <a:pPr/>
               <a:t>‹#›</a:t>
             </a:fld>
             <a:endParaRPr lang="ko-KR" altLang="en-US"/>
@@ -457,7 +463,8 @@
           <a:p>
             <a:fld id="{F1742722-62B8-4441-905B-0E5B46C38F78}" type="datetimeFigureOut">
               <a:rPr lang="ko-KR" altLang="en-US" smtClean="0"/>
-              <a:t>2021-05-22</a:t>
+              <a:pPr/>
+              <a:t>2021-05-29</a:t>
             </a:fld>
             <a:endParaRPr lang="ko-KR" altLang="en-US"/>
           </a:p>
@@ -499,6 +506,7 @@
           <a:p>
             <a:fld id="{5C2ACEA0-67A3-44FB-A63C-7EC6E5E63E56}" type="slidenum">
               <a:rPr lang="ko-KR" altLang="en-US" smtClean="0"/>
+              <a:pPr/>
               <a:t>‹#›</a:t>
             </a:fld>
             <a:endParaRPr lang="ko-KR" altLang="en-US"/>
@@ -632,7 +640,8 @@
           <a:p>
             <a:fld id="{F1742722-62B8-4441-905B-0E5B46C38F78}" type="datetimeFigureOut">
               <a:rPr lang="ko-KR" altLang="en-US" smtClean="0"/>
-              <a:t>2021-05-22</a:t>
+              <a:pPr/>
+              <a:t>2021-05-29</a:t>
             </a:fld>
             <a:endParaRPr lang="ko-KR" altLang="en-US"/>
           </a:p>
@@ -674,6 +683,7 @@
           <a:p>
             <a:fld id="{5C2ACEA0-67A3-44FB-A63C-7EC6E5E63E56}" type="slidenum">
               <a:rPr lang="ko-KR" altLang="en-US" smtClean="0"/>
+              <a:pPr/>
               <a:t>‹#›</a:t>
             </a:fld>
             <a:endParaRPr lang="ko-KR" altLang="en-US"/>
@@ -797,7 +807,8 @@
           <a:p>
             <a:fld id="{F1742722-62B8-4441-905B-0E5B46C38F78}" type="datetimeFigureOut">
               <a:rPr lang="ko-KR" altLang="en-US" smtClean="0"/>
-              <a:t>2021-05-22</a:t>
+              <a:pPr/>
+              <a:t>2021-05-29</a:t>
             </a:fld>
             <a:endParaRPr lang="ko-KR" altLang="en-US"/>
           </a:p>
@@ -839,6 +850,7 @@
           <a:p>
             <a:fld id="{5C2ACEA0-67A3-44FB-A63C-7EC6E5E63E56}" type="slidenum">
               <a:rPr lang="ko-KR" altLang="en-US" smtClean="0"/>
+              <a:pPr/>
               <a:t>‹#›</a:t>
             </a:fld>
             <a:endParaRPr lang="ko-KR" altLang="en-US"/>
@@ -1038,7 +1050,8 @@
           <a:p>
             <a:fld id="{F1742722-62B8-4441-905B-0E5B46C38F78}" type="datetimeFigureOut">
               <a:rPr lang="ko-KR" altLang="en-US" smtClean="0"/>
-              <a:t>2021-05-22</a:t>
+              <a:pPr/>
+              <a:t>2021-05-29</a:t>
             </a:fld>
             <a:endParaRPr lang="ko-KR" altLang="en-US"/>
           </a:p>
@@ -1080,6 +1093,7 @@
           <a:p>
             <a:fld id="{5C2ACEA0-67A3-44FB-A63C-7EC6E5E63E56}" type="slidenum">
               <a:rPr lang="ko-KR" altLang="en-US" smtClean="0"/>
+              <a:pPr/>
               <a:t>‹#›</a:t>
             </a:fld>
             <a:endParaRPr lang="ko-KR" altLang="en-US"/>
@@ -1321,7 +1335,8 @@
           <a:p>
             <a:fld id="{F1742722-62B8-4441-905B-0E5B46C38F78}" type="datetimeFigureOut">
               <a:rPr lang="ko-KR" altLang="en-US" smtClean="0"/>
-              <a:t>2021-05-22</a:t>
+              <a:pPr/>
+              <a:t>2021-05-29</a:t>
             </a:fld>
             <a:endParaRPr lang="ko-KR" altLang="en-US"/>
           </a:p>
@@ -1363,6 +1378,7 @@
           <a:p>
             <a:fld id="{5C2ACEA0-67A3-44FB-A63C-7EC6E5E63E56}" type="slidenum">
               <a:rPr lang="ko-KR" altLang="en-US" smtClean="0"/>
+              <a:pPr/>
               <a:t>‹#›</a:t>
             </a:fld>
             <a:endParaRPr lang="ko-KR" altLang="en-US"/>
@@ -1738,7 +1754,8 @@
           <a:p>
             <a:fld id="{F1742722-62B8-4441-905B-0E5B46C38F78}" type="datetimeFigureOut">
               <a:rPr lang="ko-KR" altLang="en-US" smtClean="0"/>
-              <a:t>2021-05-22</a:t>
+              <a:pPr/>
+              <a:t>2021-05-29</a:t>
             </a:fld>
             <a:endParaRPr lang="ko-KR" altLang="en-US"/>
           </a:p>
@@ -1780,6 +1797,7 @@
           <a:p>
             <a:fld id="{5C2ACEA0-67A3-44FB-A63C-7EC6E5E63E56}" type="slidenum">
               <a:rPr lang="ko-KR" altLang="en-US" smtClean="0"/>
+              <a:pPr/>
               <a:t>‹#›</a:t>
             </a:fld>
             <a:endParaRPr lang="ko-KR" altLang="en-US"/>
@@ -1851,7 +1869,8 @@
           <a:p>
             <a:fld id="{F1742722-62B8-4441-905B-0E5B46C38F78}" type="datetimeFigureOut">
               <a:rPr lang="ko-KR" altLang="en-US" smtClean="0"/>
-              <a:t>2021-05-22</a:t>
+              <a:pPr/>
+              <a:t>2021-05-29</a:t>
             </a:fld>
             <a:endParaRPr lang="ko-KR" altLang="en-US"/>
           </a:p>
@@ -1893,6 +1912,7 @@
           <a:p>
             <a:fld id="{5C2ACEA0-67A3-44FB-A63C-7EC6E5E63E56}" type="slidenum">
               <a:rPr lang="ko-KR" altLang="en-US" smtClean="0"/>
+              <a:pPr/>
               <a:t>‹#›</a:t>
             </a:fld>
             <a:endParaRPr lang="ko-KR" altLang="en-US"/>
@@ -1941,7 +1961,8 @@
           <a:p>
             <a:fld id="{F1742722-62B8-4441-905B-0E5B46C38F78}" type="datetimeFigureOut">
               <a:rPr lang="ko-KR" altLang="en-US" smtClean="0"/>
-              <a:t>2021-05-22</a:t>
+              <a:pPr/>
+              <a:t>2021-05-29</a:t>
             </a:fld>
             <a:endParaRPr lang="ko-KR" altLang="en-US"/>
           </a:p>
@@ -1983,6 +2004,7 @@
           <a:p>
             <a:fld id="{5C2ACEA0-67A3-44FB-A63C-7EC6E5E63E56}" type="slidenum">
               <a:rPr lang="ko-KR" altLang="en-US" smtClean="0"/>
+              <a:pPr/>
               <a:t>‹#›</a:t>
             </a:fld>
             <a:endParaRPr lang="ko-KR" altLang="en-US"/>
@@ -2213,7 +2235,8 @@
           <a:p>
             <a:fld id="{F1742722-62B8-4441-905B-0E5B46C38F78}" type="datetimeFigureOut">
               <a:rPr lang="ko-KR" altLang="en-US" smtClean="0"/>
-              <a:t>2021-05-22</a:t>
+              <a:pPr/>
+              <a:t>2021-05-29</a:t>
             </a:fld>
             <a:endParaRPr lang="ko-KR" altLang="en-US"/>
           </a:p>
@@ -2255,6 +2278,7 @@
           <a:p>
             <a:fld id="{5C2ACEA0-67A3-44FB-A63C-7EC6E5E63E56}" type="slidenum">
               <a:rPr lang="ko-KR" altLang="en-US" smtClean="0"/>
+              <a:pPr/>
               <a:t>‹#›</a:t>
             </a:fld>
             <a:endParaRPr lang="ko-KR" altLang="en-US"/>
@@ -2461,7 +2485,8 @@
           <a:p>
             <a:fld id="{F1742722-62B8-4441-905B-0E5B46C38F78}" type="datetimeFigureOut">
               <a:rPr lang="ko-KR" altLang="en-US" smtClean="0"/>
-              <a:t>2021-05-22</a:t>
+              <a:pPr/>
+              <a:t>2021-05-29</a:t>
             </a:fld>
             <a:endParaRPr lang="ko-KR" altLang="en-US"/>
           </a:p>
@@ -2503,6 +2528,7 @@
           <a:p>
             <a:fld id="{5C2ACEA0-67A3-44FB-A63C-7EC6E5E63E56}" type="slidenum">
               <a:rPr lang="ko-KR" altLang="en-US" smtClean="0"/>
+              <a:pPr/>
               <a:t>‹#›</a:t>
             </a:fld>
             <a:endParaRPr lang="ko-KR" altLang="en-US"/>
@@ -2669,7 +2695,8 @@
           <a:p>
             <a:fld id="{F1742722-62B8-4441-905B-0E5B46C38F78}" type="datetimeFigureOut">
               <a:rPr lang="ko-KR" altLang="en-US" smtClean="0"/>
-              <a:t>2021-05-22</a:t>
+              <a:pPr/>
+              <a:t>2021-05-29</a:t>
             </a:fld>
             <a:endParaRPr lang="ko-KR" altLang="en-US"/>
           </a:p>
@@ -2747,6 +2774,7 @@
           <a:p>
             <a:fld id="{5C2ACEA0-67A3-44FB-A63C-7EC6E5E63E56}" type="slidenum">
               <a:rPr lang="ko-KR" altLang="en-US" smtClean="0"/>
+              <a:pPr/>
               <a:t>‹#›</a:t>
             </a:fld>
             <a:endParaRPr lang="ko-KR" altLang="en-US"/>
@@ -3345,11 +3373,7 @@
             <a:pPr algn="ctr"/>
             <a:r>
               <a:rPr lang="en-US" altLang="ko-KR" dirty="0" smtClean="0"/>
-              <a:t>signal</a:t>
-            </a:r>
-            <a:r>
-              <a:rPr lang="en-US" altLang="ko-KR" dirty="0" smtClean="0"/>
-              <a:t>(Q)</a:t>
+              <a:t>signal(Q)</a:t>
             </a:r>
             <a:endParaRPr lang="ko-KR" altLang="en-US" dirty="0"/>
           </a:p>
@@ -3391,11 +3415,7 @@
             <a:pPr algn="ctr"/>
             <a:r>
               <a:rPr lang="en-US" altLang="ko-KR" dirty="0" smtClean="0"/>
-              <a:t>signal</a:t>
-            </a:r>
-            <a:r>
-              <a:rPr lang="en-US" altLang="ko-KR" dirty="0" smtClean="0"/>
-              <a:t>(S)</a:t>
+              <a:t>signal(S)</a:t>
             </a:r>
             <a:endParaRPr lang="ko-KR" altLang="en-US" dirty="0"/>
           </a:p>
@@ -3437,11 +3457,7 @@
             <a:pPr algn="ctr"/>
             <a:r>
               <a:rPr lang="en-US" altLang="ko-KR" dirty="0" smtClean="0"/>
-              <a:t>signal</a:t>
-            </a:r>
-            <a:r>
-              <a:rPr lang="en-US" altLang="ko-KR" dirty="0" smtClean="0"/>
-              <a:t>(Q)</a:t>
+              <a:t>signal(Q)</a:t>
             </a:r>
             <a:endParaRPr lang="ko-KR" altLang="en-US" dirty="0"/>
           </a:p>
@@ -3783,290 +3799,6 @@
 </file>
 
 <file path=ppt/slides/slide2.xml><?xml version="1.0" encoding="utf-8"?>
-<p:sld xmlns:a="http://schemas.openxmlformats.org/drawingml/2006/main" xmlns:r="http://schemas.openxmlformats.org/officeDocument/2006/relationships" xmlns:p="http://schemas.openxmlformats.org/presentationml/2006/main">
-  <p:cSld>
-    <p:spTree>
-      <p:nvGrpSpPr>
-        <p:cNvPr id="1" name=""/>
-        <p:cNvGrpSpPr/>
-        <p:nvPr/>
-      </p:nvGrpSpPr>
-      <p:grpSpPr>
-        <a:xfrm>
-          <a:off x="0" y="0"/>
-          <a:ext cx="0" cy="0"/>
-          <a:chOff x="0" y="0"/>
-          <a:chExt cx="0" cy="0"/>
-        </a:xfrm>
-      </p:grpSpPr>
-      <p:sp>
-        <p:nvSpPr>
-          <p:cNvPr id="4" name="직사각형 3"/>
-          <p:cNvSpPr/>
-          <p:nvPr/>
-        </p:nvSpPr>
-        <p:spPr>
-          <a:xfrm>
-            <a:off x="1214414" y="1357298"/>
-            <a:ext cx="2786082" cy="928694"/>
-          </a:xfrm>
-          <a:prstGeom prst="rect">
-            <a:avLst/>
-          </a:prstGeom>
-        </p:spPr>
-        <p:style>
-          <a:lnRef idx="2">
-            <a:schemeClr val="accent1">
-              <a:shade val="50000"/>
-            </a:schemeClr>
-          </a:lnRef>
-          <a:fillRef idx="1">
-            <a:schemeClr val="accent1"/>
-          </a:fillRef>
-          <a:effectRef idx="0">
-            <a:schemeClr val="accent1"/>
-          </a:effectRef>
-          <a:fontRef idx="minor">
-            <a:schemeClr val="lt1"/>
-          </a:fontRef>
-        </p:style>
-        <p:txBody>
-          <a:bodyPr rtlCol="0" anchor="ctr"/>
-          <a:lstStyle/>
-          <a:p>
-            <a:pPr algn="ctr"/>
-            <a:r>
-              <a:rPr lang="en-US" altLang="ko-KR" dirty="0" smtClean="0"/>
-              <a:t>A</a:t>
-            </a:r>
-            <a:endParaRPr lang="ko-KR" altLang="en-US" dirty="0"/>
-          </a:p>
-        </p:txBody>
-      </p:sp>
-      <p:sp>
-        <p:nvSpPr>
-          <p:cNvPr id="5" name="직사각형 4"/>
-          <p:cNvSpPr/>
-          <p:nvPr/>
-        </p:nvSpPr>
-        <p:spPr>
-          <a:xfrm>
-            <a:off x="5143504" y="1357298"/>
-            <a:ext cx="5072098" cy="928694"/>
-          </a:xfrm>
-          <a:prstGeom prst="rect">
-            <a:avLst/>
-          </a:prstGeom>
-        </p:spPr>
-        <p:style>
-          <a:lnRef idx="2">
-            <a:schemeClr val="accent1">
-              <a:shade val="50000"/>
-            </a:schemeClr>
-          </a:lnRef>
-          <a:fillRef idx="1">
-            <a:schemeClr val="accent1"/>
-          </a:fillRef>
-          <a:effectRef idx="0">
-            <a:schemeClr val="accent1"/>
-          </a:effectRef>
-          <a:fontRef idx="minor">
-            <a:schemeClr val="lt1"/>
-          </a:fontRef>
-        </p:style>
-        <p:txBody>
-          <a:bodyPr rtlCol="0" anchor="ctr"/>
-          <a:lstStyle/>
-          <a:p>
-            <a:pPr algn="ctr"/>
-            <a:r>
-              <a:rPr lang="en-US" altLang="ko-KR" dirty="0" smtClean="0"/>
-              <a:t>B</a:t>
-            </a:r>
-            <a:endParaRPr lang="ko-KR" altLang="en-US" dirty="0"/>
-          </a:p>
-        </p:txBody>
-      </p:sp>
-      <p:sp>
-        <p:nvSpPr>
-          <p:cNvPr id="8" name="직사각형 7"/>
-          <p:cNvSpPr/>
-          <p:nvPr/>
-        </p:nvSpPr>
-        <p:spPr>
-          <a:xfrm>
-            <a:off x="1214414" y="2285992"/>
-            <a:ext cx="3929090" cy="928694"/>
-          </a:xfrm>
-          <a:prstGeom prst="rect">
-            <a:avLst/>
-          </a:prstGeom>
-        </p:spPr>
-        <p:style>
-          <a:lnRef idx="2">
-            <a:schemeClr val="accent1">
-              <a:shade val="50000"/>
-            </a:schemeClr>
-          </a:lnRef>
-          <a:fillRef idx="1">
-            <a:schemeClr val="accent1"/>
-          </a:fillRef>
-          <a:effectRef idx="0">
-            <a:schemeClr val="accent1"/>
-          </a:effectRef>
-          <a:fontRef idx="minor">
-            <a:schemeClr val="lt1"/>
-          </a:fontRef>
-        </p:style>
-        <p:txBody>
-          <a:bodyPr rtlCol="0" anchor="ctr"/>
-          <a:lstStyle/>
-          <a:p>
-            <a:pPr algn="ctr"/>
-            <a:r>
-              <a:rPr lang="ko-KR" altLang="en-US" dirty="0" smtClean="0"/>
-              <a:t>페이</a:t>
-            </a:r>
-            <a:r>
-              <a:rPr lang="ko-KR" altLang="en-US" dirty="0"/>
-              <a:t>지</a:t>
-            </a:r>
-          </a:p>
-        </p:txBody>
-      </p:sp>
-      <p:sp>
-        <p:nvSpPr>
-          <p:cNvPr id="9" name="직사각형 8"/>
-          <p:cNvSpPr/>
-          <p:nvPr/>
-        </p:nvSpPr>
-        <p:spPr>
-          <a:xfrm>
-            <a:off x="5143504" y="2285992"/>
-            <a:ext cx="3929090" cy="928694"/>
-          </a:xfrm>
-          <a:prstGeom prst="rect">
-            <a:avLst/>
-          </a:prstGeom>
-        </p:spPr>
-        <p:style>
-          <a:lnRef idx="2">
-            <a:schemeClr val="accent1">
-              <a:shade val="50000"/>
-            </a:schemeClr>
-          </a:lnRef>
-          <a:fillRef idx="1">
-            <a:schemeClr val="accent1"/>
-          </a:fillRef>
-          <a:effectRef idx="0">
-            <a:schemeClr val="accent1"/>
-          </a:effectRef>
-          <a:fontRef idx="minor">
-            <a:schemeClr val="lt1"/>
-          </a:fontRef>
-        </p:style>
-        <p:txBody>
-          <a:bodyPr rtlCol="0" anchor="ctr"/>
-          <a:lstStyle/>
-          <a:p>
-            <a:pPr algn="ctr"/>
-            <a:r>
-              <a:rPr lang="ko-KR" altLang="en-US" dirty="0" smtClean="0"/>
-              <a:t>페이</a:t>
-            </a:r>
-            <a:r>
-              <a:rPr lang="ko-KR" altLang="en-US" dirty="0"/>
-              <a:t>지</a:t>
-            </a:r>
-          </a:p>
-        </p:txBody>
-      </p:sp>
-      <p:sp>
-        <p:nvSpPr>
-          <p:cNvPr id="10" name="직사각형 9"/>
-          <p:cNvSpPr/>
-          <p:nvPr/>
-        </p:nvSpPr>
-        <p:spPr>
-          <a:xfrm>
-            <a:off x="9072594" y="2285992"/>
-            <a:ext cx="3929090" cy="928694"/>
-          </a:xfrm>
-          <a:prstGeom prst="rect">
-            <a:avLst/>
-          </a:prstGeom>
-        </p:spPr>
-        <p:style>
-          <a:lnRef idx="2">
-            <a:schemeClr val="accent1">
-              <a:shade val="50000"/>
-            </a:schemeClr>
-          </a:lnRef>
-          <a:fillRef idx="1">
-            <a:schemeClr val="accent1"/>
-          </a:fillRef>
-          <a:effectRef idx="0">
-            <a:schemeClr val="accent1"/>
-          </a:effectRef>
-          <a:fontRef idx="minor">
-            <a:schemeClr val="lt1"/>
-          </a:fontRef>
-        </p:style>
-        <p:txBody>
-          <a:bodyPr rtlCol="0" anchor="ctr"/>
-          <a:lstStyle/>
-          <a:p>
-            <a:pPr algn="ctr"/>
-            <a:r>
-              <a:rPr lang="ko-KR" altLang="en-US" dirty="0" smtClean="0"/>
-              <a:t>페이</a:t>
-            </a:r>
-            <a:r>
-              <a:rPr lang="ko-KR" altLang="en-US" dirty="0"/>
-              <a:t>지</a:t>
-            </a:r>
-          </a:p>
-        </p:txBody>
-      </p:sp>
-      <p:cxnSp>
-        <p:nvCxnSpPr>
-          <p:cNvPr id="12" name="직선 연결선 11"/>
-          <p:cNvCxnSpPr/>
-          <p:nvPr/>
-        </p:nvCxnSpPr>
-        <p:spPr>
-          <a:xfrm rot="5400000" flipH="1" flipV="1">
-            <a:off x="3679025" y="2321711"/>
-            <a:ext cx="2928958" cy="1588"/>
-          </a:xfrm>
-          <a:prstGeom prst="line">
-            <a:avLst/>
-          </a:prstGeom>
-        </p:spPr>
-        <p:style>
-          <a:lnRef idx="3">
-            <a:schemeClr val="accent2"/>
-          </a:lnRef>
-          <a:fillRef idx="0">
-            <a:schemeClr val="accent2"/>
-          </a:fillRef>
-          <a:effectRef idx="2">
-            <a:schemeClr val="accent2"/>
-          </a:effectRef>
-          <a:fontRef idx="minor">
-            <a:schemeClr val="tx1"/>
-          </a:fontRef>
-        </p:style>
-      </p:cxnSp>
-    </p:spTree>
-  </p:cSld>
-  <p:clrMapOvr>
-    <a:masterClrMapping/>
-  </p:clrMapOvr>
-</p:sld>
-</file>
-
-<file path=ppt/slides/slide3.xml><?xml version="1.0" encoding="utf-8"?>
 <p:sld xmlns:a="http://schemas.openxmlformats.org/drawingml/2006/main" xmlns:r="http://schemas.openxmlformats.org/officeDocument/2006/relationships" xmlns:p="http://schemas.openxmlformats.org/presentationml/2006/main">
   <p:cSld>
     <p:spTree>
@@ -5441,7 +5173,7 @@
 </p:sld>
 </file>
 
-<file path=ppt/slides/slide4.xml><?xml version="1.0" encoding="utf-8"?>
+<file path=ppt/slides/slide3.xml><?xml version="1.0" encoding="utf-8"?>
 <p:sld xmlns:a="http://schemas.openxmlformats.org/drawingml/2006/main" xmlns:r="http://schemas.openxmlformats.org/officeDocument/2006/relationships" xmlns:p="http://schemas.openxmlformats.org/presentationml/2006/main">
   <p:cSld>
     <p:spTree>
@@ -6477,7 +6209,4457 @@
 </p:sld>
 </file>
 
+<file path=ppt/slides/slide4.xml><?xml version="1.0" encoding="utf-8"?>
+<p:sld xmlns:a="http://schemas.openxmlformats.org/drawingml/2006/main" xmlns:r="http://schemas.openxmlformats.org/officeDocument/2006/relationships" xmlns:p="http://schemas.openxmlformats.org/presentationml/2006/main">
+  <p:cSld>
+    <p:spTree>
+      <p:nvGrpSpPr>
+        <p:cNvPr id="1" name=""/>
+        <p:cNvGrpSpPr/>
+        <p:nvPr/>
+      </p:nvGrpSpPr>
+      <p:grpSpPr>
+        <a:xfrm>
+          <a:off x="0" y="0"/>
+          <a:ext cx="0" cy="0"/>
+          <a:chOff x="0" y="0"/>
+          <a:chExt cx="0" cy="0"/>
+        </a:xfrm>
+      </p:grpSpPr>
+      <p:grpSp>
+        <p:nvGrpSpPr>
+          <p:cNvPr id="10" name="그룹 9"/>
+          <p:cNvGrpSpPr/>
+          <p:nvPr/>
+        </p:nvGrpSpPr>
+        <p:grpSpPr>
+          <a:xfrm>
+            <a:off x="500034" y="2071678"/>
+            <a:ext cx="1080000" cy="1080000"/>
+            <a:chOff x="276225" y="1257300"/>
+            <a:chExt cx="5202238" cy="5202238"/>
+          </a:xfrm>
+        </p:grpSpPr>
+        <p:grpSp>
+          <p:nvGrpSpPr>
+            <p:cNvPr id="11" name="그룹 10"/>
+            <p:cNvGrpSpPr/>
+            <p:nvPr/>
+          </p:nvGrpSpPr>
+          <p:grpSpPr>
+            <a:xfrm>
+              <a:off x="276225" y="1257300"/>
+              <a:ext cx="5202238" cy="5202238"/>
+              <a:chOff x="276225" y="1257300"/>
+              <a:chExt cx="5202238" cy="5202238"/>
+            </a:xfrm>
+          </p:grpSpPr>
+          <p:pic>
+            <p:nvPicPr>
+              <p:cNvPr id="13" name="Picture 2" descr="C:\Users\Jay\Desktop\Dev\Interview\0. ignore\servers.png"/>
+              <p:cNvPicPr>
+                <a:picLocks noChangeAspect="1" noChangeArrowheads="1"/>
+              </p:cNvPicPr>
+              <p:nvPr/>
+            </p:nvPicPr>
+            <p:blipFill>
+              <a:blip r:embed="rId2" cstate="print"/>
+              <a:srcRect/>
+              <a:stretch>
+                <a:fillRect/>
+              </a:stretch>
+            </p:blipFill>
+            <p:spPr bwMode="auto">
+              <a:xfrm>
+                <a:off x="276225" y="1257300"/>
+                <a:ext cx="5202238" cy="5202238"/>
+              </a:xfrm>
+              <a:prstGeom prst="rect">
+                <a:avLst/>
+              </a:prstGeom>
+              <a:noFill/>
+            </p:spPr>
+          </p:pic>
+          <p:sp>
+            <p:nvSpPr>
+              <p:cNvPr id="14" name="타원 13"/>
+              <p:cNvSpPr/>
+              <p:nvPr/>
+            </p:nvSpPr>
+            <p:spPr>
+              <a:xfrm>
+                <a:off x="785786" y="4214818"/>
+                <a:ext cx="500066" cy="428628"/>
+              </a:xfrm>
+              <a:prstGeom prst="ellipse">
+                <a:avLst/>
+              </a:prstGeom>
+              <a:solidFill>
+                <a:schemeClr val="tx1"/>
+              </a:solidFill>
+              <a:ln>
+                <a:solidFill>
+                  <a:schemeClr val="tx1"/>
+                </a:solidFill>
+              </a:ln>
+            </p:spPr>
+            <p:style>
+              <a:lnRef idx="2">
+                <a:schemeClr val="accent1">
+                  <a:shade val="50000"/>
+                </a:schemeClr>
+              </a:lnRef>
+              <a:fillRef idx="1">
+                <a:schemeClr val="accent1"/>
+              </a:fillRef>
+              <a:effectRef idx="0">
+                <a:schemeClr val="accent1"/>
+              </a:effectRef>
+              <a:fontRef idx="minor">
+                <a:schemeClr val="lt1"/>
+              </a:fontRef>
+            </p:style>
+            <p:txBody>
+              <a:bodyPr rtlCol="0" anchor="ctr"/>
+              <a:lstStyle/>
+              <a:p>
+                <a:pPr algn="ctr"/>
+                <a:endParaRPr lang="ko-KR" altLang="en-US"/>
+              </a:p>
+            </p:txBody>
+          </p:sp>
+        </p:grpSp>
+        <p:sp>
+          <p:nvSpPr>
+            <p:cNvPr id="12" name="타원 11"/>
+            <p:cNvSpPr/>
+            <p:nvPr/>
+          </p:nvSpPr>
+          <p:spPr>
+            <a:xfrm>
+              <a:off x="928662" y="5600715"/>
+              <a:ext cx="214314" cy="214314"/>
+            </a:xfrm>
+            <a:prstGeom prst="ellipse">
+              <a:avLst/>
+            </a:prstGeom>
+          </p:spPr>
+          <p:style>
+            <a:lnRef idx="0">
+              <a:schemeClr val="accent2"/>
+            </a:lnRef>
+            <a:fillRef idx="3">
+              <a:schemeClr val="accent2"/>
+            </a:fillRef>
+            <a:effectRef idx="3">
+              <a:schemeClr val="accent2"/>
+            </a:effectRef>
+            <a:fontRef idx="minor">
+              <a:schemeClr val="lt1"/>
+            </a:fontRef>
+          </p:style>
+          <p:txBody>
+            <a:bodyPr rtlCol="0" anchor="ctr"/>
+            <a:lstStyle/>
+            <a:p>
+              <a:pPr algn="ctr"/>
+              <a:endParaRPr lang="ko-KR" altLang="en-US"/>
+            </a:p>
+          </p:txBody>
+        </p:sp>
+      </p:grpSp>
+      <p:pic>
+        <p:nvPicPr>
+          <p:cNvPr id="1027" name="Picture 3" descr="C:\Users\Jay\Desktop\Dev\Interview\0. ignore\user.png"/>
+          <p:cNvPicPr>
+            <a:picLocks noChangeAspect="1" noChangeArrowheads="1"/>
+          </p:cNvPicPr>
+          <p:nvPr/>
+        </p:nvPicPr>
+        <p:blipFill>
+          <a:blip r:embed="rId3"/>
+          <a:srcRect/>
+          <a:stretch>
+            <a:fillRect/>
+          </a:stretch>
+        </p:blipFill>
+        <p:spPr bwMode="auto">
+          <a:xfrm>
+            <a:off x="7643834" y="2143116"/>
+            <a:ext cx="1080000" cy="1080000"/>
+          </a:xfrm>
+          <a:prstGeom prst="rect">
+            <a:avLst/>
+          </a:prstGeom>
+          <a:noFill/>
+        </p:spPr>
+      </p:pic>
+      <p:sp>
+        <p:nvSpPr>
+          <p:cNvPr id="16" name="직사각형 15"/>
+          <p:cNvSpPr/>
+          <p:nvPr/>
+        </p:nvSpPr>
+        <p:spPr>
+          <a:xfrm>
+            <a:off x="3929058" y="3429000"/>
+            <a:ext cx="914400" cy="342896"/>
+          </a:xfrm>
+          <a:prstGeom prst="rect">
+            <a:avLst/>
+          </a:prstGeom>
+          <a:ln>
+            <a:solidFill>
+              <a:schemeClr val="bg1"/>
+            </a:solidFill>
+          </a:ln>
+        </p:spPr>
+        <p:style>
+          <a:lnRef idx="2">
+            <a:schemeClr val="dk1"/>
+          </a:lnRef>
+          <a:fillRef idx="1">
+            <a:schemeClr val="lt1"/>
+          </a:fillRef>
+          <a:effectRef idx="0">
+            <a:schemeClr val="dk1"/>
+          </a:effectRef>
+          <a:fontRef idx="minor">
+            <a:schemeClr val="dk1"/>
+          </a:fontRef>
+        </p:style>
+        <p:txBody>
+          <a:bodyPr rtlCol="0" anchor="ctr"/>
+          <a:lstStyle/>
+          <a:p>
+            <a:pPr algn="ctr"/>
+            <a:r>
+              <a:rPr lang="en-US" altLang="ko-KR" dirty="0" smtClean="0"/>
+              <a:t>Proxy</a:t>
+            </a:r>
+            <a:endParaRPr lang="ko-KR" altLang="en-US" dirty="0"/>
+          </a:p>
+        </p:txBody>
+      </p:sp>
+      <p:sp>
+        <p:nvSpPr>
+          <p:cNvPr id="17" name="직사각형 16"/>
+          <p:cNvSpPr/>
+          <p:nvPr/>
+        </p:nvSpPr>
+        <p:spPr>
+          <a:xfrm>
+            <a:off x="571472" y="3429000"/>
+            <a:ext cx="914400" cy="342896"/>
+          </a:xfrm>
+          <a:prstGeom prst="rect">
+            <a:avLst/>
+          </a:prstGeom>
+          <a:ln>
+            <a:solidFill>
+              <a:schemeClr val="bg1"/>
+            </a:solidFill>
+          </a:ln>
+        </p:spPr>
+        <p:style>
+          <a:lnRef idx="2">
+            <a:schemeClr val="dk1"/>
+          </a:lnRef>
+          <a:fillRef idx="1">
+            <a:schemeClr val="lt1"/>
+          </a:fillRef>
+          <a:effectRef idx="0">
+            <a:schemeClr val="dk1"/>
+          </a:effectRef>
+          <a:fontRef idx="minor">
+            <a:schemeClr val="dk1"/>
+          </a:fontRef>
+        </p:style>
+        <p:txBody>
+          <a:bodyPr rtlCol="0" anchor="ctr"/>
+          <a:lstStyle/>
+          <a:p>
+            <a:pPr algn="ctr"/>
+            <a:r>
+              <a:rPr lang="en-US" altLang="ko-KR" dirty="0" smtClean="0"/>
+              <a:t>Server</a:t>
+            </a:r>
+            <a:endParaRPr lang="ko-KR" altLang="en-US" dirty="0"/>
+          </a:p>
+        </p:txBody>
+      </p:sp>
+      <p:sp>
+        <p:nvSpPr>
+          <p:cNvPr id="20" name="직사각형 19"/>
+          <p:cNvSpPr/>
+          <p:nvPr/>
+        </p:nvSpPr>
+        <p:spPr>
+          <a:xfrm>
+            <a:off x="7715272" y="3429000"/>
+            <a:ext cx="914400" cy="342896"/>
+          </a:xfrm>
+          <a:prstGeom prst="rect">
+            <a:avLst/>
+          </a:prstGeom>
+          <a:ln>
+            <a:solidFill>
+              <a:schemeClr val="bg1"/>
+            </a:solidFill>
+          </a:ln>
+        </p:spPr>
+        <p:style>
+          <a:lnRef idx="2">
+            <a:schemeClr val="dk1"/>
+          </a:lnRef>
+          <a:fillRef idx="1">
+            <a:schemeClr val="lt1"/>
+          </a:fillRef>
+          <a:effectRef idx="0">
+            <a:schemeClr val="dk1"/>
+          </a:effectRef>
+          <a:fontRef idx="minor">
+            <a:schemeClr val="dk1"/>
+          </a:fontRef>
+        </p:style>
+        <p:txBody>
+          <a:bodyPr rtlCol="0" anchor="ctr"/>
+          <a:lstStyle/>
+          <a:p>
+            <a:pPr algn="ctr"/>
+            <a:r>
+              <a:rPr lang="ko-KR" altLang="en-US" dirty="0" smtClean="0"/>
+              <a:t>사용</a:t>
+            </a:r>
+            <a:r>
+              <a:rPr lang="ko-KR" altLang="en-US" dirty="0" smtClean="0"/>
+              <a:t>자</a:t>
+            </a:r>
+            <a:endParaRPr lang="ko-KR" altLang="en-US" dirty="0"/>
+          </a:p>
+        </p:txBody>
+      </p:sp>
+      <p:cxnSp>
+        <p:nvCxnSpPr>
+          <p:cNvPr id="22" name="직선 화살표 연결선 21"/>
+          <p:cNvCxnSpPr/>
+          <p:nvPr/>
+        </p:nvCxnSpPr>
+        <p:spPr>
+          <a:xfrm>
+            <a:off x="1857356" y="2357430"/>
+            <a:ext cx="1714512" cy="1588"/>
+          </a:xfrm>
+          <a:prstGeom prst="straightConnector1">
+            <a:avLst/>
+          </a:prstGeom>
+          <a:ln>
+            <a:tailEnd type="arrow"/>
+          </a:ln>
+        </p:spPr>
+        <p:style>
+          <a:lnRef idx="3">
+            <a:schemeClr val="accent5"/>
+          </a:lnRef>
+          <a:fillRef idx="0">
+            <a:schemeClr val="accent5"/>
+          </a:fillRef>
+          <a:effectRef idx="2">
+            <a:schemeClr val="accent5"/>
+          </a:effectRef>
+          <a:fontRef idx="minor">
+            <a:schemeClr val="tx1"/>
+          </a:fontRef>
+        </p:style>
+      </p:cxnSp>
+      <p:cxnSp>
+        <p:nvCxnSpPr>
+          <p:cNvPr id="24" name="직선 화살표 연결선 23"/>
+          <p:cNvCxnSpPr/>
+          <p:nvPr/>
+        </p:nvCxnSpPr>
+        <p:spPr>
+          <a:xfrm rot="10800000">
+            <a:off x="1857356" y="2927345"/>
+            <a:ext cx="1714512" cy="1588"/>
+          </a:xfrm>
+          <a:prstGeom prst="straightConnector1">
+            <a:avLst/>
+          </a:prstGeom>
+          <a:ln>
+            <a:tailEnd type="arrow"/>
+          </a:ln>
+        </p:spPr>
+        <p:style>
+          <a:lnRef idx="3">
+            <a:schemeClr val="accent6"/>
+          </a:lnRef>
+          <a:fillRef idx="0">
+            <a:schemeClr val="accent6"/>
+          </a:fillRef>
+          <a:effectRef idx="2">
+            <a:schemeClr val="accent6"/>
+          </a:effectRef>
+          <a:fontRef idx="minor">
+            <a:schemeClr val="tx1"/>
+          </a:fontRef>
+        </p:style>
+      </p:cxnSp>
+      <p:cxnSp>
+        <p:nvCxnSpPr>
+          <p:cNvPr id="25" name="직선 화살표 연결선 24"/>
+          <p:cNvCxnSpPr/>
+          <p:nvPr/>
+        </p:nvCxnSpPr>
+        <p:spPr>
+          <a:xfrm>
+            <a:off x="5500694" y="2357430"/>
+            <a:ext cx="1714512" cy="1588"/>
+          </a:xfrm>
+          <a:prstGeom prst="straightConnector1">
+            <a:avLst/>
+          </a:prstGeom>
+          <a:ln>
+            <a:tailEnd type="arrow"/>
+          </a:ln>
+        </p:spPr>
+        <p:style>
+          <a:lnRef idx="3">
+            <a:schemeClr val="accent5"/>
+          </a:lnRef>
+          <a:fillRef idx="0">
+            <a:schemeClr val="accent5"/>
+          </a:fillRef>
+          <a:effectRef idx="2">
+            <a:schemeClr val="accent5"/>
+          </a:effectRef>
+          <a:fontRef idx="minor">
+            <a:schemeClr val="tx1"/>
+          </a:fontRef>
+        </p:style>
+      </p:cxnSp>
+      <p:cxnSp>
+        <p:nvCxnSpPr>
+          <p:cNvPr id="26" name="직선 화살표 연결선 25"/>
+          <p:cNvCxnSpPr/>
+          <p:nvPr/>
+        </p:nvCxnSpPr>
+        <p:spPr>
+          <a:xfrm rot="10800000">
+            <a:off x="5500694" y="2927345"/>
+            <a:ext cx="1714512" cy="1588"/>
+          </a:xfrm>
+          <a:prstGeom prst="straightConnector1">
+            <a:avLst/>
+          </a:prstGeom>
+          <a:ln>
+            <a:tailEnd type="arrow"/>
+          </a:ln>
+        </p:spPr>
+        <p:style>
+          <a:lnRef idx="3">
+            <a:schemeClr val="accent6"/>
+          </a:lnRef>
+          <a:fillRef idx="0">
+            <a:schemeClr val="accent6"/>
+          </a:fillRef>
+          <a:effectRef idx="2">
+            <a:schemeClr val="accent6"/>
+          </a:effectRef>
+          <a:fontRef idx="minor">
+            <a:schemeClr val="tx1"/>
+          </a:fontRef>
+        </p:style>
+      </p:cxnSp>
+      <p:grpSp>
+        <p:nvGrpSpPr>
+          <p:cNvPr id="31" name="그룹 30"/>
+          <p:cNvGrpSpPr/>
+          <p:nvPr/>
+        </p:nvGrpSpPr>
+        <p:grpSpPr>
+          <a:xfrm>
+            <a:off x="3857620" y="2143116"/>
+            <a:ext cx="1080000" cy="1080000"/>
+            <a:chOff x="1428728" y="2285992"/>
+            <a:chExt cx="4876800" cy="4876800"/>
+          </a:xfrm>
+        </p:grpSpPr>
+        <p:pic>
+          <p:nvPicPr>
+            <p:cNvPr id="1028" name="Picture 4" descr="C:\Users\Jay\Desktop\Dev\Interview\0. ignore\cloud.png"/>
+            <p:cNvPicPr>
+              <a:picLocks noChangeAspect="1" noChangeArrowheads="1"/>
+            </p:cNvPicPr>
+            <p:nvPr/>
+          </p:nvPicPr>
+          <p:blipFill>
+            <a:blip r:embed="rId4" cstate="print"/>
+            <a:srcRect/>
+            <a:stretch>
+              <a:fillRect/>
+            </a:stretch>
+          </p:blipFill>
+          <p:spPr bwMode="auto">
+            <a:xfrm>
+              <a:off x="1428728" y="2285992"/>
+              <a:ext cx="4876800" cy="4876800"/>
+            </a:xfrm>
+            <a:prstGeom prst="rect">
+              <a:avLst/>
+            </a:prstGeom>
+            <a:noFill/>
+          </p:spPr>
+        </p:pic>
+        <p:sp>
+          <p:nvSpPr>
+            <p:cNvPr id="28" name="타원 27"/>
+            <p:cNvSpPr/>
+            <p:nvPr/>
+          </p:nvSpPr>
+          <p:spPr>
+            <a:xfrm>
+              <a:off x="1704955" y="6162694"/>
+              <a:ext cx="357190" cy="357190"/>
+            </a:xfrm>
+            <a:prstGeom prst="ellipse">
+              <a:avLst/>
+            </a:prstGeom>
+          </p:spPr>
+          <p:style>
+            <a:lnRef idx="0">
+              <a:schemeClr val="accent1"/>
+            </a:lnRef>
+            <a:fillRef idx="3">
+              <a:schemeClr val="accent1"/>
+            </a:fillRef>
+            <a:effectRef idx="3">
+              <a:schemeClr val="accent1"/>
+            </a:effectRef>
+            <a:fontRef idx="minor">
+              <a:schemeClr val="lt1"/>
+            </a:fontRef>
+          </p:style>
+          <p:txBody>
+            <a:bodyPr rtlCol="0" anchor="ctr"/>
+            <a:lstStyle/>
+            <a:p>
+              <a:pPr algn="ctr"/>
+              <a:endParaRPr lang="ko-KR" altLang="en-US"/>
+            </a:p>
+          </p:txBody>
+        </p:sp>
+        <p:sp>
+          <p:nvSpPr>
+            <p:cNvPr id="29" name="타원 28"/>
+            <p:cNvSpPr/>
+            <p:nvPr/>
+          </p:nvSpPr>
+          <p:spPr>
+            <a:xfrm>
+              <a:off x="3700456" y="6162694"/>
+              <a:ext cx="357190" cy="357190"/>
+            </a:xfrm>
+            <a:prstGeom prst="ellipse">
+              <a:avLst/>
+            </a:prstGeom>
+          </p:spPr>
+          <p:style>
+            <a:lnRef idx="0">
+              <a:schemeClr val="accent2"/>
+            </a:lnRef>
+            <a:fillRef idx="3">
+              <a:schemeClr val="accent2"/>
+            </a:fillRef>
+            <a:effectRef idx="3">
+              <a:schemeClr val="accent2"/>
+            </a:effectRef>
+            <a:fontRef idx="minor">
+              <a:schemeClr val="lt1"/>
+            </a:fontRef>
+          </p:style>
+          <p:txBody>
+            <a:bodyPr rtlCol="0" anchor="ctr"/>
+            <a:lstStyle/>
+            <a:p>
+              <a:pPr algn="ctr"/>
+              <a:endParaRPr lang="ko-KR" altLang="en-US"/>
+            </a:p>
+          </p:txBody>
+        </p:sp>
+        <p:sp>
+          <p:nvSpPr>
+            <p:cNvPr id="30" name="타원 29"/>
+            <p:cNvSpPr/>
+            <p:nvPr/>
+          </p:nvSpPr>
+          <p:spPr>
+            <a:xfrm>
+              <a:off x="5672145" y="6162694"/>
+              <a:ext cx="357190" cy="357190"/>
+            </a:xfrm>
+            <a:prstGeom prst="ellipse">
+              <a:avLst/>
+            </a:prstGeom>
+          </p:spPr>
+          <p:style>
+            <a:lnRef idx="0">
+              <a:schemeClr val="accent3"/>
+            </a:lnRef>
+            <a:fillRef idx="3">
+              <a:schemeClr val="accent3"/>
+            </a:fillRef>
+            <a:effectRef idx="3">
+              <a:schemeClr val="accent3"/>
+            </a:effectRef>
+            <a:fontRef idx="minor">
+              <a:schemeClr val="lt1"/>
+            </a:fontRef>
+          </p:style>
+          <p:txBody>
+            <a:bodyPr rtlCol="0" anchor="ctr"/>
+            <a:lstStyle/>
+            <a:p>
+              <a:pPr algn="ctr"/>
+              <a:endParaRPr lang="ko-KR" altLang="en-US"/>
+            </a:p>
+          </p:txBody>
+        </p:sp>
+      </p:grpSp>
+    </p:spTree>
+  </p:cSld>
+  <p:clrMapOvr>
+    <a:masterClrMapping/>
+  </p:clrMapOvr>
+</p:sld>
+</file>
+
 <file path=ppt/slides/slide5.xml><?xml version="1.0" encoding="utf-8"?>
+<p:sld xmlns:a="http://schemas.openxmlformats.org/drawingml/2006/main" xmlns:r="http://schemas.openxmlformats.org/officeDocument/2006/relationships" xmlns:p="http://schemas.openxmlformats.org/presentationml/2006/main">
+  <p:cSld>
+    <p:spTree>
+      <p:nvGrpSpPr>
+        <p:cNvPr id="1" name=""/>
+        <p:cNvGrpSpPr/>
+        <p:nvPr/>
+      </p:nvGrpSpPr>
+      <p:grpSpPr>
+        <a:xfrm>
+          <a:off x="0" y="0"/>
+          <a:ext cx="0" cy="0"/>
+          <a:chOff x="0" y="0"/>
+          <a:chExt cx="0" cy="0"/>
+        </a:xfrm>
+      </p:grpSpPr>
+      <p:sp>
+        <p:nvSpPr>
+          <p:cNvPr id="56" name="모서리가 둥근 직사각형 55"/>
+          <p:cNvSpPr/>
+          <p:nvPr/>
+        </p:nvSpPr>
+        <p:spPr>
+          <a:xfrm>
+            <a:off x="42863" y="500042"/>
+            <a:ext cx="4000496" cy="6143668"/>
+          </a:xfrm>
+          <a:prstGeom prst="roundRect">
+            <a:avLst/>
+          </a:prstGeom>
+        </p:spPr>
+        <p:style>
+          <a:lnRef idx="1">
+            <a:schemeClr val="dk1"/>
+          </a:lnRef>
+          <a:fillRef idx="2">
+            <a:schemeClr val="dk1"/>
+          </a:fillRef>
+          <a:effectRef idx="1">
+            <a:schemeClr val="dk1"/>
+          </a:effectRef>
+          <a:fontRef idx="minor">
+            <a:schemeClr val="dk1"/>
+          </a:fontRef>
+        </p:style>
+        <p:txBody>
+          <a:bodyPr rtlCol="0" anchor="ctr"/>
+          <a:lstStyle/>
+          <a:p>
+            <a:pPr algn="ctr"/>
+            <a:endParaRPr lang="ko-KR" altLang="en-US"/>
+          </a:p>
+        </p:txBody>
+      </p:sp>
+      <p:grpSp>
+        <p:nvGrpSpPr>
+          <p:cNvPr id="4" name="그룹 3"/>
+          <p:cNvGrpSpPr/>
+          <p:nvPr/>
+        </p:nvGrpSpPr>
+        <p:grpSpPr>
+          <a:xfrm>
+            <a:off x="7972449" y="500066"/>
+            <a:ext cx="1080000" cy="1080000"/>
+            <a:chOff x="276225" y="1257300"/>
+            <a:chExt cx="5202238" cy="5202238"/>
+          </a:xfrm>
+        </p:grpSpPr>
+        <p:grpSp>
+          <p:nvGrpSpPr>
+            <p:cNvPr id="5" name="그룹 10"/>
+            <p:cNvGrpSpPr/>
+            <p:nvPr/>
+          </p:nvGrpSpPr>
+          <p:grpSpPr>
+            <a:xfrm>
+              <a:off x="276225" y="1257300"/>
+              <a:ext cx="5202238" cy="5202238"/>
+              <a:chOff x="276225" y="1257300"/>
+              <a:chExt cx="5202238" cy="5202238"/>
+            </a:xfrm>
+          </p:grpSpPr>
+          <p:pic>
+            <p:nvPicPr>
+              <p:cNvPr id="7" name="Picture 2" descr="C:\Users\Jay\Desktop\Dev\Interview\0. ignore\servers.png"/>
+              <p:cNvPicPr>
+                <a:picLocks noChangeAspect="1" noChangeArrowheads="1"/>
+              </p:cNvPicPr>
+              <p:nvPr/>
+            </p:nvPicPr>
+            <p:blipFill>
+              <a:blip r:embed="rId2" cstate="print"/>
+              <a:srcRect/>
+              <a:stretch>
+                <a:fillRect/>
+              </a:stretch>
+            </p:blipFill>
+            <p:spPr bwMode="auto">
+              <a:xfrm>
+                <a:off x="276225" y="1257300"/>
+                <a:ext cx="5202238" cy="5202238"/>
+              </a:xfrm>
+              <a:prstGeom prst="rect">
+                <a:avLst/>
+              </a:prstGeom>
+              <a:noFill/>
+            </p:spPr>
+          </p:pic>
+          <p:sp>
+            <p:nvSpPr>
+              <p:cNvPr id="8" name="타원 7"/>
+              <p:cNvSpPr/>
+              <p:nvPr/>
+            </p:nvSpPr>
+            <p:spPr>
+              <a:xfrm>
+                <a:off x="785786" y="4214818"/>
+                <a:ext cx="500066" cy="428628"/>
+              </a:xfrm>
+              <a:prstGeom prst="ellipse">
+                <a:avLst/>
+              </a:prstGeom>
+              <a:solidFill>
+                <a:schemeClr val="tx1"/>
+              </a:solidFill>
+              <a:ln>
+                <a:solidFill>
+                  <a:schemeClr val="tx1"/>
+                </a:solidFill>
+              </a:ln>
+            </p:spPr>
+            <p:style>
+              <a:lnRef idx="2">
+                <a:schemeClr val="accent1">
+                  <a:shade val="50000"/>
+                </a:schemeClr>
+              </a:lnRef>
+              <a:fillRef idx="1">
+                <a:schemeClr val="accent1"/>
+              </a:fillRef>
+              <a:effectRef idx="0">
+                <a:schemeClr val="accent1"/>
+              </a:effectRef>
+              <a:fontRef idx="minor">
+                <a:schemeClr val="lt1"/>
+              </a:fontRef>
+            </p:style>
+            <p:txBody>
+              <a:bodyPr rtlCol="0" anchor="ctr"/>
+              <a:lstStyle/>
+              <a:p>
+                <a:pPr algn="ctr"/>
+                <a:endParaRPr lang="ko-KR" altLang="en-US"/>
+              </a:p>
+            </p:txBody>
+          </p:sp>
+        </p:grpSp>
+        <p:sp>
+          <p:nvSpPr>
+            <p:cNvPr id="6" name="타원 5"/>
+            <p:cNvSpPr/>
+            <p:nvPr/>
+          </p:nvSpPr>
+          <p:spPr>
+            <a:xfrm>
+              <a:off x="928662" y="5600715"/>
+              <a:ext cx="214314" cy="214314"/>
+            </a:xfrm>
+            <a:prstGeom prst="ellipse">
+              <a:avLst/>
+            </a:prstGeom>
+          </p:spPr>
+          <p:style>
+            <a:lnRef idx="0">
+              <a:schemeClr val="accent2"/>
+            </a:lnRef>
+            <a:fillRef idx="3">
+              <a:schemeClr val="accent2"/>
+            </a:fillRef>
+            <a:effectRef idx="3">
+              <a:schemeClr val="accent2"/>
+            </a:effectRef>
+            <a:fontRef idx="minor">
+              <a:schemeClr val="lt1"/>
+            </a:fontRef>
+          </p:style>
+          <p:txBody>
+            <a:bodyPr rtlCol="0" anchor="ctr"/>
+            <a:lstStyle/>
+            <a:p>
+              <a:pPr algn="ctr"/>
+              <a:endParaRPr lang="ko-KR" altLang="en-US"/>
+            </a:p>
+          </p:txBody>
+        </p:sp>
+      </p:grpSp>
+      <p:pic>
+        <p:nvPicPr>
+          <p:cNvPr id="9" name="Picture 3" descr="C:\Users\Jay\Desktop\Dev\Interview\0. ignore\user.png"/>
+          <p:cNvPicPr>
+            <a:picLocks noChangeAspect="1" noChangeArrowheads="1"/>
+          </p:cNvPicPr>
+          <p:nvPr/>
+        </p:nvPicPr>
+        <p:blipFill>
+          <a:blip r:embed="rId3"/>
+          <a:srcRect/>
+          <a:stretch>
+            <a:fillRect/>
+          </a:stretch>
+        </p:blipFill>
+        <p:spPr bwMode="auto">
+          <a:xfrm>
+            <a:off x="248715" y="2643182"/>
+            <a:ext cx="1080000" cy="1080000"/>
+          </a:xfrm>
+          <a:prstGeom prst="rect">
+            <a:avLst/>
+          </a:prstGeom>
+          <a:noFill/>
+        </p:spPr>
+      </p:pic>
+      <p:sp>
+        <p:nvSpPr>
+          <p:cNvPr id="10" name="직사각형 9"/>
+          <p:cNvSpPr/>
+          <p:nvPr/>
+        </p:nvSpPr>
+        <p:spPr>
+          <a:xfrm>
+            <a:off x="2900351" y="3929066"/>
+            <a:ext cx="914400" cy="342896"/>
+          </a:xfrm>
+          <a:prstGeom prst="rect">
+            <a:avLst/>
+          </a:prstGeom>
+          <a:ln>
+            <a:solidFill>
+              <a:schemeClr val="bg1"/>
+            </a:solidFill>
+          </a:ln>
+        </p:spPr>
+        <p:style>
+          <a:lnRef idx="2">
+            <a:schemeClr val="dk1"/>
+          </a:lnRef>
+          <a:fillRef idx="1">
+            <a:schemeClr val="lt1"/>
+          </a:fillRef>
+          <a:effectRef idx="0">
+            <a:schemeClr val="dk1"/>
+          </a:effectRef>
+          <a:fontRef idx="minor">
+            <a:schemeClr val="dk1"/>
+          </a:fontRef>
+        </p:style>
+        <p:txBody>
+          <a:bodyPr rtlCol="0" anchor="ctr"/>
+          <a:lstStyle/>
+          <a:p>
+            <a:pPr algn="ctr"/>
+            <a:r>
+              <a:rPr lang="en-US" altLang="ko-KR" dirty="0" smtClean="0"/>
+              <a:t>Proxy</a:t>
+            </a:r>
+            <a:endParaRPr lang="ko-KR" altLang="en-US" dirty="0"/>
+          </a:p>
+        </p:txBody>
+      </p:sp>
+      <p:sp>
+        <p:nvSpPr>
+          <p:cNvPr id="11" name="직사각형 10"/>
+          <p:cNvSpPr/>
+          <p:nvPr/>
+        </p:nvSpPr>
+        <p:spPr>
+          <a:xfrm>
+            <a:off x="7886717" y="1714488"/>
+            <a:ext cx="1228740" cy="342896"/>
+          </a:xfrm>
+          <a:prstGeom prst="rect">
+            <a:avLst/>
+          </a:prstGeom>
+          <a:ln>
+            <a:solidFill>
+              <a:schemeClr val="bg1"/>
+            </a:solidFill>
+          </a:ln>
+        </p:spPr>
+        <p:style>
+          <a:lnRef idx="2">
+            <a:schemeClr val="dk1"/>
+          </a:lnRef>
+          <a:fillRef idx="1">
+            <a:schemeClr val="lt1"/>
+          </a:fillRef>
+          <a:effectRef idx="0">
+            <a:schemeClr val="dk1"/>
+          </a:effectRef>
+          <a:fontRef idx="minor">
+            <a:schemeClr val="dk1"/>
+          </a:fontRef>
+        </p:style>
+        <p:txBody>
+          <a:bodyPr rtlCol="0" anchor="ctr"/>
+          <a:lstStyle/>
+          <a:p>
+            <a:pPr algn="ctr"/>
+            <a:r>
+              <a:rPr lang="en-US" altLang="ko-KR" dirty="0" smtClean="0"/>
+              <a:t>Server1</a:t>
+            </a:r>
+            <a:endParaRPr lang="ko-KR" altLang="en-US" dirty="0"/>
+          </a:p>
+        </p:txBody>
+      </p:sp>
+      <p:sp>
+        <p:nvSpPr>
+          <p:cNvPr id="12" name="직사각형 11"/>
+          <p:cNvSpPr/>
+          <p:nvPr/>
+        </p:nvSpPr>
+        <p:spPr>
+          <a:xfrm>
+            <a:off x="320153" y="3929066"/>
+            <a:ext cx="914400" cy="342896"/>
+          </a:xfrm>
+          <a:prstGeom prst="rect">
+            <a:avLst/>
+          </a:prstGeom>
+          <a:ln>
+            <a:solidFill>
+              <a:schemeClr val="bg1"/>
+            </a:solidFill>
+          </a:ln>
+        </p:spPr>
+        <p:style>
+          <a:lnRef idx="2">
+            <a:schemeClr val="dk1"/>
+          </a:lnRef>
+          <a:fillRef idx="1">
+            <a:schemeClr val="lt1"/>
+          </a:fillRef>
+          <a:effectRef idx="0">
+            <a:schemeClr val="dk1"/>
+          </a:effectRef>
+          <a:fontRef idx="minor">
+            <a:schemeClr val="dk1"/>
+          </a:fontRef>
+        </p:style>
+        <p:txBody>
+          <a:bodyPr rtlCol="0" anchor="ctr"/>
+          <a:lstStyle/>
+          <a:p>
+            <a:pPr algn="ctr"/>
+            <a:r>
+              <a:rPr lang="ko-KR" altLang="en-US" dirty="0" smtClean="0"/>
+              <a:t>사용</a:t>
+            </a:r>
+            <a:r>
+              <a:rPr lang="ko-KR" altLang="en-US" dirty="0" smtClean="0"/>
+              <a:t>자</a:t>
+            </a:r>
+            <a:endParaRPr lang="ko-KR" altLang="en-US" dirty="0"/>
+          </a:p>
+        </p:txBody>
+      </p:sp>
+      <p:grpSp>
+        <p:nvGrpSpPr>
+          <p:cNvPr id="17" name="그룹 16"/>
+          <p:cNvGrpSpPr/>
+          <p:nvPr/>
+        </p:nvGrpSpPr>
+        <p:grpSpPr>
+          <a:xfrm>
+            <a:off x="2828913" y="2643182"/>
+            <a:ext cx="1080000" cy="1080000"/>
+            <a:chOff x="1428728" y="2285992"/>
+            <a:chExt cx="4876800" cy="4876800"/>
+          </a:xfrm>
+        </p:grpSpPr>
+        <p:pic>
+          <p:nvPicPr>
+            <p:cNvPr id="18" name="Picture 4" descr="C:\Users\Jay\Desktop\Dev\Interview\0. ignore\cloud.png"/>
+            <p:cNvPicPr>
+              <a:picLocks noChangeAspect="1" noChangeArrowheads="1"/>
+            </p:cNvPicPr>
+            <p:nvPr/>
+          </p:nvPicPr>
+          <p:blipFill>
+            <a:blip r:embed="rId4" cstate="print"/>
+            <a:srcRect/>
+            <a:stretch>
+              <a:fillRect/>
+            </a:stretch>
+          </p:blipFill>
+          <p:spPr bwMode="auto">
+            <a:xfrm>
+              <a:off x="1428728" y="2285992"/>
+              <a:ext cx="4876800" cy="4876800"/>
+            </a:xfrm>
+            <a:prstGeom prst="rect">
+              <a:avLst/>
+            </a:prstGeom>
+            <a:noFill/>
+          </p:spPr>
+        </p:pic>
+        <p:sp>
+          <p:nvSpPr>
+            <p:cNvPr id="19" name="타원 18"/>
+            <p:cNvSpPr/>
+            <p:nvPr/>
+          </p:nvSpPr>
+          <p:spPr>
+            <a:xfrm>
+              <a:off x="1704955" y="6162694"/>
+              <a:ext cx="357190" cy="357190"/>
+            </a:xfrm>
+            <a:prstGeom prst="ellipse">
+              <a:avLst/>
+            </a:prstGeom>
+          </p:spPr>
+          <p:style>
+            <a:lnRef idx="0">
+              <a:schemeClr val="accent1"/>
+            </a:lnRef>
+            <a:fillRef idx="3">
+              <a:schemeClr val="accent1"/>
+            </a:fillRef>
+            <a:effectRef idx="3">
+              <a:schemeClr val="accent1"/>
+            </a:effectRef>
+            <a:fontRef idx="minor">
+              <a:schemeClr val="lt1"/>
+            </a:fontRef>
+          </p:style>
+          <p:txBody>
+            <a:bodyPr rtlCol="0" anchor="ctr"/>
+            <a:lstStyle/>
+            <a:p>
+              <a:pPr algn="ctr"/>
+              <a:endParaRPr lang="ko-KR" altLang="en-US"/>
+            </a:p>
+          </p:txBody>
+        </p:sp>
+        <p:sp>
+          <p:nvSpPr>
+            <p:cNvPr id="20" name="타원 19"/>
+            <p:cNvSpPr/>
+            <p:nvPr/>
+          </p:nvSpPr>
+          <p:spPr>
+            <a:xfrm>
+              <a:off x="3700456" y="6162694"/>
+              <a:ext cx="357190" cy="357190"/>
+            </a:xfrm>
+            <a:prstGeom prst="ellipse">
+              <a:avLst/>
+            </a:prstGeom>
+          </p:spPr>
+          <p:style>
+            <a:lnRef idx="0">
+              <a:schemeClr val="accent2"/>
+            </a:lnRef>
+            <a:fillRef idx="3">
+              <a:schemeClr val="accent2"/>
+            </a:fillRef>
+            <a:effectRef idx="3">
+              <a:schemeClr val="accent2"/>
+            </a:effectRef>
+            <a:fontRef idx="minor">
+              <a:schemeClr val="lt1"/>
+            </a:fontRef>
+          </p:style>
+          <p:txBody>
+            <a:bodyPr rtlCol="0" anchor="ctr"/>
+            <a:lstStyle/>
+            <a:p>
+              <a:pPr algn="ctr"/>
+              <a:endParaRPr lang="ko-KR" altLang="en-US"/>
+            </a:p>
+          </p:txBody>
+        </p:sp>
+        <p:sp>
+          <p:nvSpPr>
+            <p:cNvPr id="21" name="타원 20"/>
+            <p:cNvSpPr/>
+            <p:nvPr/>
+          </p:nvSpPr>
+          <p:spPr>
+            <a:xfrm>
+              <a:off x="5672145" y="6162694"/>
+              <a:ext cx="357190" cy="357190"/>
+            </a:xfrm>
+            <a:prstGeom prst="ellipse">
+              <a:avLst/>
+            </a:prstGeom>
+          </p:spPr>
+          <p:style>
+            <a:lnRef idx="0">
+              <a:schemeClr val="accent3"/>
+            </a:lnRef>
+            <a:fillRef idx="3">
+              <a:schemeClr val="accent3"/>
+            </a:fillRef>
+            <a:effectRef idx="3">
+              <a:schemeClr val="accent3"/>
+            </a:effectRef>
+            <a:fontRef idx="minor">
+              <a:schemeClr val="lt1"/>
+            </a:fontRef>
+          </p:style>
+          <p:txBody>
+            <a:bodyPr rtlCol="0" anchor="ctr"/>
+            <a:lstStyle/>
+            <a:p>
+              <a:pPr algn="ctr"/>
+              <a:endParaRPr lang="ko-KR" altLang="en-US"/>
+            </a:p>
+          </p:txBody>
+        </p:sp>
+      </p:grpSp>
+      <p:grpSp>
+        <p:nvGrpSpPr>
+          <p:cNvPr id="22" name="그룹 21"/>
+          <p:cNvGrpSpPr/>
+          <p:nvPr/>
+        </p:nvGrpSpPr>
+        <p:grpSpPr>
+          <a:xfrm>
+            <a:off x="7972449" y="2643182"/>
+            <a:ext cx="1080000" cy="1080000"/>
+            <a:chOff x="276225" y="1257300"/>
+            <a:chExt cx="5202238" cy="5202238"/>
+          </a:xfrm>
+        </p:grpSpPr>
+        <p:grpSp>
+          <p:nvGrpSpPr>
+            <p:cNvPr id="23" name="그룹 10"/>
+            <p:cNvGrpSpPr/>
+            <p:nvPr/>
+          </p:nvGrpSpPr>
+          <p:grpSpPr>
+            <a:xfrm>
+              <a:off x="276225" y="1257300"/>
+              <a:ext cx="5202238" cy="5202238"/>
+              <a:chOff x="276225" y="1257300"/>
+              <a:chExt cx="5202238" cy="5202238"/>
+            </a:xfrm>
+          </p:grpSpPr>
+          <p:pic>
+            <p:nvPicPr>
+              <p:cNvPr id="25" name="Picture 2" descr="C:\Users\Jay\Desktop\Dev\Interview\0. ignore\servers.png"/>
+              <p:cNvPicPr>
+                <a:picLocks noChangeAspect="1" noChangeArrowheads="1"/>
+              </p:cNvPicPr>
+              <p:nvPr/>
+            </p:nvPicPr>
+            <p:blipFill>
+              <a:blip r:embed="rId2" cstate="print"/>
+              <a:srcRect/>
+              <a:stretch>
+                <a:fillRect/>
+              </a:stretch>
+            </p:blipFill>
+            <p:spPr bwMode="auto">
+              <a:xfrm>
+                <a:off x="276225" y="1257300"/>
+                <a:ext cx="5202238" cy="5202238"/>
+              </a:xfrm>
+              <a:prstGeom prst="rect">
+                <a:avLst/>
+              </a:prstGeom>
+              <a:noFill/>
+            </p:spPr>
+          </p:pic>
+          <p:sp>
+            <p:nvSpPr>
+              <p:cNvPr id="26" name="타원 25"/>
+              <p:cNvSpPr/>
+              <p:nvPr/>
+            </p:nvSpPr>
+            <p:spPr>
+              <a:xfrm>
+                <a:off x="785786" y="4214818"/>
+                <a:ext cx="500066" cy="428628"/>
+              </a:xfrm>
+              <a:prstGeom prst="ellipse">
+                <a:avLst/>
+              </a:prstGeom>
+              <a:solidFill>
+                <a:schemeClr val="tx1"/>
+              </a:solidFill>
+              <a:ln>
+                <a:solidFill>
+                  <a:schemeClr val="tx1"/>
+                </a:solidFill>
+              </a:ln>
+            </p:spPr>
+            <p:style>
+              <a:lnRef idx="2">
+                <a:schemeClr val="accent1">
+                  <a:shade val="50000"/>
+                </a:schemeClr>
+              </a:lnRef>
+              <a:fillRef idx="1">
+                <a:schemeClr val="accent1"/>
+              </a:fillRef>
+              <a:effectRef idx="0">
+                <a:schemeClr val="accent1"/>
+              </a:effectRef>
+              <a:fontRef idx="minor">
+                <a:schemeClr val="lt1"/>
+              </a:fontRef>
+            </p:style>
+            <p:txBody>
+              <a:bodyPr rtlCol="0" anchor="ctr"/>
+              <a:lstStyle/>
+              <a:p>
+                <a:pPr algn="ctr"/>
+                <a:endParaRPr lang="ko-KR" altLang="en-US"/>
+              </a:p>
+            </p:txBody>
+          </p:sp>
+        </p:grpSp>
+        <p:sp>
+          <p:nvSpPr>
+            <p:cNvPr id="24" name="타원 23"/>
+            <p:cNvSpPr/>
+            <p:nvPr/>
+          </p:nvSpPr>
+          <p:spPr>
+            <a:xfrm>
+              <a:off x="928662" y="5600715"/>
+              <a:ext cx="214314" cy="214314"/>
+            </a:xfrm>
+            <a:prstGeom prst="ellipse">
+              <a:avLst/>
+            </a:prstGeom>
+          </p:spPr>
+          <p:style>
+            <a:lnRef idx="0">
+              <a:schemeClr val="accent5"/>
+            </a:lnRef>
+            <a:fillRef idx="3">
+              <a:schemeClr val="accent5"/>
+            </a:fillRef>
+            <a:effectRef idx="3">
+              <a:schemeClr val="accent5"/>
+            </a:effectRef>
+            <a:fontRef idx="minor">
+              <a:schemeClr val="lt1"/>
+            </a:fontRef>
+          </p:style>
+          <p:txBody>
+            <a:bodyPr rtlCol="0" anchor="ctr"/>
+            <a:lstStyle/>
+            <a:p>
+              <a:pPr algn="ctr"/>
+              <a:endParaRPr lang="ko-KR" altLang="en-US"/>
+            </a:p>
+          </p:txBody>
+        </p:sp>
+      </p:grpSp>
+      <p:sp>
+        <p:nvSpPr>
+          <p:cNvPr id="27" name="직사각형 26"/>
+          <p:cNvSpPr/>
+          <p:nvPr/>
+        </p:nvSpPr>
+        <p:spPr>
+          <a:xfrm>
+            <a:off x="7886717" y="3857604"/>
+            <a:ext cx="1228740" cy="342896"/>
+          </a:xfrm>
+          <a:prstGeom prst="rect">
+            <a:avLst/>
+          </a:prstGeom>
+          <a:ln>
+            <a:solidFill>
+              <a:schemeClr val="bg1"/>
+            </a:solidFill>
+          </a:ln>
+        </p:spPr>
+        <p:style>
+          <a:lnRef idx="2">
+            <a:schemeClr val="dk1"/>
+          </a:lnRef>
+          <a:fillRef idx="1">
+            <a:schemeClr val="lt1"/>
+          </a:fillRef>
+          <a:effectRef idx="0">
+            <a:schemeClr val="dk1"/>
+          </a:effectRef>
+          <a:fontRef idx="minor">
+            <a:schemeClr val="dk1"/>
+          </a:fontRef>
+        </p:style>
+        <p:txBody>
+          <a:bodyPr rtlCol="0" anchor="ctr"/>
+          <a:lstStyle/>
+          <a:p>
+            <a:pPr algn="ctr"/>
+            <a:r>
+              <a:rPr lang="en-US" altLang="ko-KR" dirty="0" smtClean="0"/>
+              <a:t>Server2</a:t>
+            </a:r>
+            <a:endParaRPr lang="ko-KR" altLang="en-US" dirty="0"/>
+          </a:p>
+        </p:txBody>
+      </p:sp>
+      <p:grpSp>
+        <p:nvGrpSpPr>
+          <p:cNvPr id="28" name="그룹 27"/>
+          <p:cNvGrpSpPr/>
+          <p:nvPr/>
+        </p:nvGrpSpPr>
+        <p:grpSpPr>
+          <a:xfrm>
+            <a:off x="7972449" y="4786322"/>
+            <a:ext cx="1080000" cy="1080000"/>
+            <a:chOff x="276225" y="1257300"/>
+            <a:chExt cx="5202238" cy="5202238"/>
+          </a:xfrm>
+        </p:grpSpPr>
+        <p:grpSp>
+          <p:nvGrpSpPr>
+            <p:cNvPr id="29" name="그룹 10"/>
+            <p:cNvGrpSpPr/>
+            <p:nvPr/>
+          </p:nvGrpSpPr>
+          <p:grpSpPr>
+            <a:xfrm>
+              <a:off x="276225" y="1257300"/>
+              <a:ext cx="5202238" cy="5202238"/>
+              <a:chOff x="276225" y="1257300"/>
+              <a:chExt cx="5202238" cy="5202238"/>
+            </a:xfrm>
+          </p:grpSpPr>
+          <p:pic>
+            <p:nvPicPr>
+              <p:cNvPr id="31" name="Picture 2" descr="C:\Users\Jay\Desktop\Dev\Interview\0. ignore\servers.png"/>
+              <p:cNvPicPr>
+                <a:picLocks noChangeAspect="1" noChangeArrowheads="1"/>
+              </p:cNvPicPr>
+              <p:nvPr/>
+            </p:nvPicPr>
+            <p:blipFill>
+              <a:blip r:embed="rId2" cstate="print"/>
+              <a:srcRect/>
+              <a:stretch>
+                <a:fillRect/>
+              </a:stretch>
+            </p:blipFill>
+            <p:spPr bwMode="auto">
+              <a:xfrm>
+                <a:off x="276225" y="1257300"/>
+                <a:ext cx="5202238" cy="5202238"/>
+              </a:xfrm>
+              <a:prstGeom prst="rect">
+                <a:avLst/>
+              </a:prstGeom>
+              <a:noFill/>
+            </p:spPr>
+          </p:pic>
+          <p:sp>
+            <p:nvSpPr>
+              <p:cNvPr id="32" name="타원 31"/>
+              <p:cNvSpPr/>
+              <p:nvPr/>
+            </p:nvSpPr>
+            <p:spPr>
+              <a:xfrm>
+                <a:off x="785786" y="4214818"/>
+                <a:ext cx="500066" cy="428628"/>
+              </a:xfrm>
+              <a:prstGeom prst="ellipse">
+                <a:avLst/>
+              </a:prstGeom>
+              <a:solidFill>
+                <a:schemeClr val="tx1"/>
+              </a:solidFill>
+              <a:ln>
+                <a:solidFill>
+                  <a:schemeClr val="tx1"/>
+                </a:solidFill>
+              </a:ln>
+            </p:spPr>
+            <p:style>
+              <a:lnRef idx="2">
+                <a:schemeClr val="accent1">
+                  <a:shade val="50000"/>
+                </a:schemeClr>
+              </a:lnRef>
+              <a:fillRef idx="1">
+                <a:schemeClr val="accent1"/>
+              </a:fillRef>
+              <a:effectRef idx="0">
+                <a:schemeClr val="accent1"/>
+              </a:effectRef>
+              <a:fontRef idx="minor">
+                <a:schemeClr val="lt1"/>
+              </a:fontRef>
+            </p:style>
+            <p:txBody>
+              <a:bodyPr rtlCol="0" anchor="ctr"/>
+              <a:lstStyle/>
+              <a:p>
+                <a:pPr algn="ctr"/>
+                <a:endParaRPr lang="ko-KR" altLang="en-US"/>
+              </a:p>
+            </p:txBody>
+          </p:sp>
+        </p:grpSp>
+        <p:sp>
+          <p:nvSpPr>
+            <p:cNvPr id="30" name="타원 29"/>
+            <p:cNvSpPr/>
+            <p:nvPr/>
+          </p:nvSpPr>
+          <p:spPr>
+            <a:xfrm>
+              <a:off x="928662" y="5600715"/>
+              <a:ext cx="214314" cy="214314"/>
+            </a:xfrm>
+            <a:prstGeom prst="ellipse">
+              <a:avLst/>
+            </a:prstGeom>
+          </p:spPr>
+          <p:style>
+            <a:lnRef idx="0">
+              <a:schemeClr val="accent6"/>
+            </a:lnRef>
+            <a:fillRef idx="3">
+              <a:schemeClr val="accent6"/>
+            </a:fillRef>
+            <a:effectRef idx="3">
+              <a:schemeClr val="accent6"/>
+            </a:effectRef>
+            <a:fontRef idx="minor">
+              <a:schemeClr val="lt1"/>
+            </a:fontRef>
+          </p:style>
+          <p:txBody>
+            <a:bodyPr rtlCol="0" anchor="ctr"/>
+            <a:lstStyle/>
+            <a:p>
+              <a:pPr algn="ctr"/>
+              <a:endParaRPr lang="ko-KR" altLang="en-US"/>
+            </a:p>
+          </p:txBody>
+        </p:sp>
+      </p:grpSp>
+      <p:sp>
+        <p:nvSpPr>
+          <p:cNvPr id="33" name="직사각형 32"/>
+          <p:cNvSpPr/>
+          <p:nvPr/>
+        </p:nvSpPr>
+        <p:spPr>
+          <a:xfrm>
+            <a:off x="7886717" y="6000744"/>
+            <a:ext cx="1228740" cy="342896"/>
+          </a:xfrm>
+          <a:prstGeom prst="rect">
+            <a:avLst/>
+          </a:prstGeom>
+          <a:ln>
+            <a:solidFill>
+              <a:schemeClr val="bg1"/>
+            </a:solidFill>
+          </a:ln>
+        </p:spPr>
+        <p:style>
+          <a:lnRef idx="2">
+            <a:schemeClr val="dk1"/>
+          </a:lnRef>
+          <a:fillRef idx="1">
+            <a:schemeClr val="lt1"/>
+          </a:fillRef>
+          <a:effectRef idx="0">
+            <a:schemeClr val="dk1"/>
+          </a:effectRef>
+          <a:fontRef idx="minor">
+            <a:schemeClr val="dk1"/>
+          </a:fontRef>
+        </p:style>
+        <p:txBody>
+          <a:bodyPr rtlCol="0" anchor="ctr"/>
+          <a:lstStyle/>
+          <a:p>
+            <a:pPr algn="ctr"/>
+            <a:r>
+              <a:rPr lang="en-US" altLang="ko-KR" dirty="0" smtClean="0"/>
+              <a:t>Server3</a:t>
+            </a:r>
+            <a:endParaRPr lang="ko-KR" altLang="en-US" dirty="0"/>
+          </a:p>
+        </p:txBody>
+      </p:sp>
+      <p:pic>
+        <p:nvPicPr>
+          <p:cNvPr id="2050" name="Picture 2" descr="C:\Users\Jay\Desktop\Dev\Interview\0. ignore\cloud (1).png"/>
+          <p:cNvPicPr>
+            <a:picLocks noChangeAspect="1" noChangeArrowheads="1"/>
+          </p:cNvPicPr>
+          <p:nvPr/>
+        </p:nvPicPr>
+        <p:blipFill>
+          <a:blip r:embed="rId5" cstate="print"/>
+          <a:srcRect/>
+          <a:stretch>
+            <a:fillRect/>
+          </a:stretch>
+        </p:blipFill>
+        <p:spPr bwMode="auto">
+          <a:xfrm>
+            <a:off x="5257805" y="2634752"/>
+            <a:ext cx="1080000" cy="1080000"/>
+          </a:xfrm>
+          <a:prstGeom prst="rect">
+            <a:avLst/>
+          </a:prstGeom>
+          <a:noFill/>
+        </p:spPr>
+      </p:pic>
+      <p:pic>
+        <p:nvPicPr>
+          <p:cNvPr id="35" name="Picture 3" descr="C:\Users\Jay\Desktop\Dev\Interview\0. ignore\user.png"/>
+          <p:cNvPicPr>
+            <a:picLocks noChangeAspect="1" noChangeArrowheads="1"/>
+          </p:cNvPicPr>
+          <p:nvPr/>
+        </p:nvPicPr>
+        <p:blipFill>
+          <a:blip r:embed="rId3"/>
+          <a:srcRect/>
+          <a:stretch>
+            <a:fillRect/>
+          </a:stretch>
+        </p:blipFill>
+        <p:spPr bwMode="auto">
+          <a:xfrm>
+            <a:off x="248715" y="642918"/>
+            <a:ext cx="1080000" cy="1080000"/>
+          </a:xfrm>
+          <a:prstGeom prst="rect">
+            <a:avLst/>
+          </a:prstGeom>
+          <a:noFill/>
+        </p:spPr>
+      </p:pic>
+      <p:sp>
+        <p:nvSpPr>
+          <p:cNvPr id="36" name="직사각형 35"/>
+          <p:cNvSpPr/>
+          <p:nvPr/>
+        </p:nvSpPr>
+        <p:spPr>
+          <a:xfrm>
+            <a:off x="320153" y="1928802"/>
+            <a:ext cx="914400" cy="342896"/>
+          </a:xfrm>
+          <a:prstGeom prst="rect">
+            <a:avLst/>
+          </a:prstGeom>
+          <a:ln>
+            <a:solidFill>
+              <a:schemeClr val="bg1"/>
+            </a:solidFill>
+          </a:ln>
+        </p:spPr>
+        <p:style>
+          <a:lnRef idx="2">
+            <a:schemeClr val="dk1"/>
+          </a:lnRef>
+          <a:fillRef idx="1">
+            <a:schemeClr val="lt1"/>
+          </a:fillRef>
+          <a:effectRef idx="0">
+            <a:schemeClr val="dk1"/>
+          </a:effectRef>
+          <a:fontRef idx="minor">
+            <a:schemeClr val="dk1"/>
+          </a:fontRef>
+        </p:style>
+        <p:txBody>
+          <a:bodyPr rtlCol="0" anchor="ctr"/>
+          <a:lstStyle/>
+          <a:p>
+            <a:pPr algn="ctr"/>
+            <a:r>
+              <a:rPr lang="ko-KR" altLang="en-US" dirty="0" smtClean="0"/>
+              <a:t>사용</a:t>
+            </a:r>
+            <a:r>
+              <a:rPr lang="ko-KR" altLang="en-US" dirty="0" smtClean="0"/>
+              <a:t>자</a:t>
+            </a:r>
+            <a:endParaRPr lang="ko-KR" altLang="en-US" dirty="0"/>
+          </a:p>
+        </p:txBody>
+      </p:sp>
+      <p:pic>
+        <p:nvPicPr>
+          <p:cNvPr id="37" name="Picture 3" descr="C:\Users\Jay\Desktop\Dev\Interview\0. ignore\user.png"/>
+          <p:cNvPicPr>
+            <a:picLocks noChangeAspect="1" noChangeArrowheads="1"/>
+          </p:cNvPicPr>
+          <p:nvPr/>
+        </p:nvPicPr>
+        <p:blipFill>
+          <a:blip r:embed="rId3"/>
+          <a:srcRect/>
+          <a:stretch>
+            <a:fillRect/>
+          </a:stretch>
+        </p:blipFill>
+        <p:spPr bwMode="auto">
+          <a:xfrm>
+            <a:off x="248715" y="4714884"/>
+            <a:ext cx="1080000" cy="1080000"/>
+          </a:xfrm>
+          <a:prstGeom prst="rect">
+            <a:avLst/>
+          </a:prstGeom>
+          <a:noFill/>
+        </p:spPr>
+      </p:pic>
+      <p:sp>
+        <p:nvSpPr>
+          <p:cNvPr id="38" name="직사각형 37"/>
+          <p:cNvSpPr/>
+          <p:nvPr/>
+        </p:nvSpPr>
+        <p:spPr>
+          <a:xfrm>
+            <a:off x="320153" y="6000768"/>
+            <a:ext cx="914400" cy="342896"/>
+          </a:xfrm>
+          <a:prstGeom prst="rect">
+            <a:avLst/>
+          </a:prstGeom>
+          <a:ln>
+            <a:solidFill>
+              <a:schemeClr val="bg1"/>
+            </a:solidFill>
+          </a:ln>
+        </p:spPr>
+        <p:style>
+          <a:lnRef idx="2">
+            <a:schemeClr val="dk1"/>
+          </a:lnRef>
+          <a:fillRef idx="1">
+            <a:schemeClr val="lt1"/>
+          </a:fillRef>
+          <a:effectRef idx="0">
+            <a:schemeClr val="dk1"/>
+          </a:effectRef>
+          <a:fontRef idx="minor">
+            <a:schemeClr val="dk1"/>
+          </a:fontRef>
+        </p:style>
+        <p:txBody>
+          <a:bodyPr rtlCol="0" anchor="ctr"/>
+          <a:lstStyle/>
+          <a:p>
+            <a:pPr algn="ctr"/>
+            <a:r>
+              <a:rPr lang="ko-KR" altLang="en-US" dirty="0" smtClean="0"/>
+              <a:t>사용</a:t>
+            </a:r>
+            <a:r>
+              <a:rPr lang="ko-KR" altLang="en-US" dirty="0" smtClean="0"/>
+              <a:t>자</a:t>
+            </a:r>
+            <a:endParaRPr lang="ko-KR" altLang="en-US" dirty="0"/>
+          </a:p>
+        </p:txBody>
+      </p:sp>
+      <p:cxnSp>
+        <p:nvCxnSpPr>
+          <p:cNvPr id="42" name="직선 화살표 연결선 41"/>
+          <p:cNvCxnSpPr/>
+          <p:nvPr/>
+        </p:nvCxnSpPr>
+        <p:spPr>
+          <a:xfrm rot="16200000" flipH="1">
+            <a:off x="1185839" y="1571612"/>
+            <a:ext cx="1643074" cy="928694"/>
+          </a:xfrm>
+          <a:prstGeom prst="straightConnector1">
+            <a:avLst/>
+          </a:prstGeom>
+          <a:ln>
+            <a:headEnd type="arrow"/>
+            <a:tailEnd type="arrow"/>
+          </a:ln>
+        </p:spPr>
+        <p:style>
+          <a:lnRef idx="3">
+            <a:schemeClr val="accent2"/>
+          </a:lnRef>
+          <a:fillRef idx="0">
+            <a:schemeClr val="accent2"/>
+          </a:fillRef>
+          <a:effectRef idx="2">
+            <a:schemeClr val="accent2"/>
+          </a:effectRef>
+          <a:fontRef idx="minor">
+            <a:schemeClr val="tx1"/>
+          </a:fontRef>
+        </p:style>
+      </p:cxnSp>
+      <p:cxnSp>
+        <p:nvCxnSpPr>
+          <p:cNvPr id="44" name="직선 화살표 연결선 43"/>
+          <p:cNvCxnSpPr/>
+          <p:nvPr/>
+        </p:nvCxnSpPr>
+        <p:spPr>
+          <a:xfrm>
+            <a:off x="1400153" y="3286124"/>
+            <a:ext cx="1071570" cy="1588"/>
+          </a:xfrm>
+          <a:prstGeom prst="straightConnector1">
+            <a:avLst/>
+          </a:prstGeom>
+          <a:ln>
+            <a:headEnd type="arrow"/>
+            <a:tailEnd type="arrow"/>
+          </a:ln>
+        </p:spPr>
+        <p:style>
+          <a:lnRef idx="3">
+            <a:schemeClr val="accent2"/>
+          </a:lnRef>
+          <a:fillRef idx="0">
+            <a:schemeClr val="accent2"/>
+          </a:fillRef>
+          <a:effectRef idx="2">
+            <a:schemeClr val="accent2"/>
+          </a:effectRef>
+          <a:fontRef idx="minor">
+            <a:schemeClr val="tx1"/>
+          </a:fontRef>
+        </p:style>
+      </p:cxnSp>
+      <p:cxnSp>
+        <p:nvCxnSpPr>
+          <p:cNvPr id="46" name="직선 화살표 연결선 45"/>
+          <p:cNvCxnSpPr/>
+          <p:nvPr/>
+        </p:nvCxnSpPr>
+        <p:spPr>
+          <a:xfrm rot="5400000" flipH="1" flipV="1">
+            <a:off x="1257277" y="3857628"/>
+            <a:ext cx="1500198" cy="1071570"/>
+          </a:xfrm>
+          <a:prstGeom prst="straightConnector1">
+            <a:avLst/>
+          </a:prstGeom>
+          <a:ln>
+            <a:headEnd type="arrow"/>
+            <a:tailEnd type="arrow"/>
+          </a:ln>
+        </p:spPr>
+        <p:style>
+          <a:lnRef idx="3">
+            <a:schemeClr val="accent2"/>
+          </a:lnRef>
+          <a:fillRef idx="0">
+            <a:schemeClr val="accent2"/>
+          </a:fillRef>
+          <a:effectRef idx="2">
+            <a:schemeClr val="accent2"/>
+          </a:effectRef>
+          <a:fontRef idx="minor">
+            <a:schemeClr val="tx1"/>
+          </a:fontRef>
+        </p:style>
+      </p:cxnSp>
+      <p:cxnSp>
+        <p:nvCxnSpPr>
+          <p:cNvPr id="49" name="직선 화살표 연결선 48"/>
+          <p:cNvCxnSpPr/>
+          <p:nvPr/>
+        </p:nvCxnSpPr>
+        <p:spPr>
+          <a:xfrm>
+            <a:off x="4114797" y="3214686"/>
+            <a:ext cx="928694" cy="1588"/>
+          </a:xfrm>
+          <a:prstGeom prst="straightConnector1">
+            <a:avLst/>
+          </a:prstGeom>
+          <a:ln>
+            <a:headEnd type="arrow"/>
+            <a:tailEnd type="arrow"/>
+          </a:ln>
+        </p:spPr>
+        <p:style>
+          <a:lnRef idx="3">
+            <a:schemeClr val="accent3"/>
+          </a:lnRef>
+          <a:fillRef idx="0">
+            <a:schemeClr val="accent3"/>
+          </a:fillRef>
+          <a:effectRef idx="2">
+            <a:schemeClr val="accent3"/>
+          </a:effectRef>
+          <a:fontRef idx="minor">
+            <a:schemeClr val="tx1"/>
+          </a:fontRef>
+        </p:style>
+      </p:cxnSp>
+      <p:cxnSp>
+        <p:nvCxnSpPr>
+          <p:cNvPr id="51" name="직선 화살표 연결선 50"/>
+          <p:cNvCxnSpPr/>
+          <p:nvPr/>
+        </p:nvCxnSpPr>
+        <p:spPr>
+          <a:xfrm rot="5400000" flipH="1" flipV="1">
+            <a:off x="6365094" y="1321579"/>
+            <a:ext cx="1643074" cy="1285884"/>
+          </a:xfrm>
+          <a:prstGeom prst="straightConnector1">
+            <a:avLst/>
+          </a:prstGeom>
+          <a:ln>
+            <a:headEnd type="arrow"/>
+            <a:tailEnd type="arrow"/>
+          </a:ln>
+        </p:spPr>
+        <p:style>
+          <a:lnRef idx="3">
+            <a:schemeClr val="accent3"/>
+          </a:lnRef>
+          <a:fillRef idx="0">
+            <a:schemeClr val="accent3"/>
+          </a:fillRef>
+          <a:effectRef idx="2">
+            <a:schemeClr val="accent3"/>
+          </a:effectRef>
+          <a:fontRef idx="minor">
+            <a:schemeClr val="tx1"/>
+          </a:fontRef>
+        </p:style>
+      </p:cxnSp>
+      <p:cxnSp>
+        <p:nvCxnSpPr>
+          <p:cNvPr id="53" name="직선 화살표 연결선 52"/>
+          <p:cNvCxnSpPr/>
+          <p:nvPr/>
+        </p:nvCxnSpPr>
+        <p:spPr>
+          <a:xfrm>
+            <a:off x="6615127" y="3213098"/>
+            <a:ext cx="1214446" cy="1588"/>
+          </a:xfrm>
+          <a:prstGeom prst="straightConnector1">
+            <a:avLst/>
+          </a:prstGeom>
+          <a:ln>
+            <a:headEnd type="arrow"/>
+            <a:tailEnd type="arrow"/>
+          </a:ln>
+        </p:spPr>
+        <p:style>
+          <a:lnRef idx="3">
+            <a:schemeClr val="accent3"/>
+          </a:lnRef>
+          <a:fillRef idx="0">
+            <a:schemeClr val="accent3"/>
+          </a:fillRef>
+          <a:effectRef idx="2">
+            <a:schemeClr val="accent3"/>
+          </a:effectRef>
+          <a:fontRef idx="minor">
+            <a:schemeClr val="tx1"/>
+          </a:fontRef>
+        </p:style>
+      </p:cxnSp>
+      <p:cxnSp>
+        <p:nvCxnSpPr>
+          <p:cNvPr id="55" name="직선 화살표 연결선 54"/>
+          <p:cNvCxnSpPr/>
+          <p:nvPr/>
+        </p:nvCxnSpPr>
+        <p:spPr>
+          <a:xfrm rot="16200000" flipH="1">
+            <a:off x="6293656" y="3893347"/>
+            <a:ext cx="1785950" cy="1143008"/>
+          </a:xfrm>
+          <a:prstGeom prst="straightConnector1">
+            <a:avLst/>
+          </a:prstGeom>
+          <a:ln>
+            <a:headEnd type="arrow"/>
+            <a:tailEnd type="arrow"/>
+          </a:ln>
+        </p:spPr>
+        <p:style>
+          <a:lnRef idx="3">
+            <a:schemeClr val="accent3"/>
+          </a:lnRef>
+          <a:fillRef idx="0">
+            <a:schemeClr val="accent3"/>
+          </a:fillRef>
+          <a:effectRef idx="2">
+            <a:schemeClr val="accent3"/>
+          </a:effectRef>
+          <a:fontRef idx="minor">
+            <a:schemeClr val="tx1"/>
+          </a:fontRef>
+        </p:style>
+      </p:cxnSp>
+      <p:sp>
+        <p:nvSpPr>
+          <p:cNvPr id="57" name="직사각형 56"/>
+          <p:cNvSpPr/>
+          <p:nvPr/>
+        </p:nvSpPr>
+        <p:spPr>
+          <a:xfrm>
+            <a:off x="5357818" y="3857628"/>
+            <a:ext cx="914400" cy="342896"/>
+          </a:xfrm>
+          <a:prstGeom prst="rect">
+            <a:avLst/>
+          </a:prstGeom>
+          <a:ln>
+            <a:solidFill>
+              <a:schemeClr val="bg1"/>
+            </a:solidFill>
+          </a:ln>
+        </p:spPr>
+        <p:style>
+          <a:lnRef idx="2">
+            <a:schemeClr val="dk1"/>
+          </a:lnRef>
+          <a:fillRef idx="1">
+            <a:schemeClr val="lt1"/>
+          </a:fillRef>
+          <a:effectRef idx="0">
+            <a:schemeClr val="dk1"/>
+          </a:effectRef>
+          <a:fontRef idx="minor">
+            <a:schemeClr val="dk1"/>
+          </a:fontRef>
+        </p:style>
+        <p:txBody>
+          <a:bodyPr rtlCol="0" anchor="ctr"/>
+          <a:lstStyle/>
+          <a:p>
+            <a:pPr algn="ctr"/>
+            <a:r>
+              <a:rPr lang="ko-KR" altLang="en-US" dirty="0" smtClean="0"/>
+              <a:t>인터넷</a:t>
+            </a:r>
+            <a:endParaRPr lang="ko-KR" altLang="en-US" dirty="0"/>
+          </a:p>
+        </p:txBody>
+      </p:sp>
+    </p:spTree>
+  </p:cSld>
+  <p:clrMapOvr>
+    <a:masterClrMapping/>
+  </p:clrMapOvr>
+</p:sld>
+</file>
+
+<file path=ppt/slides/slide6.xml><?xml version="1.0" encoding="utf-8"?>
+<p:sld xmlns:a="http://schemas.openxmlformats.org/drawingml/2006/main" xmlns:r="http://schemas.openxmlformats.org/officeDocument/2006/relationships" xmlns:p="http://schemas.openxmlformats.org/presentationml/2006/main">
+  <p:cSld>
+    <p:spTree>
+      <p:nvGrpSpPr>
+        <p:cNvPr id="1" name=""/>
+        <p:cNvGrpSpPr/>
+        <p:nvPr/>
+      </p:nvGrpSpPr>
+      <p:grpSpPr>
+        <a:xfrm>
+          <a:off x="0" y="0"/>
+          <a:ext cx="0" cy="0"/>
+          <a:chOff x="0" y="0"/>
+          <a:chExt cx="0" cy="0"/>
+        </a:xfrm>
+      </p:grpSpPr>
+      <p:sp>
+        <p:nvSpPr>
+          <p:cNvPr id="58" name="모서리가 둥근 직사각형 57"/>
+          <p:cNvSpPr/>
+          <p:nvPr/>
+        </p:nvSpPr>
+        <p:spPr>
+          <a:xfrm>
+            <a:off x="4857720" y="2285992"/>
+            <a:ext cx="2143172" cy="3714776"/>
+          </a:xfrm>
+          <a:prstGeom prst="roundRect">
+            <a:avLst/>
+          </a:prstGeom>
+        </p:spPr>
+        <p:style>
+          <a:lnRef idx="1">
+            <a:schemeClr val="dk1"/>
+          </a:lnRef>
+          <a:fillRef idx="2">
+            <a:schemeClr val="dk1"/>
+          </a:fillRef>
+          <a:effectRef idx="1">
+            <a:schemeClr val="dk1"/>
+          </a:effectRef>
+          <a:fontRef idx="minor">
+            <a:schemeClr val="dk1"/>
+          </a:fontRef>
+        </p:style>
+        <p:txBody>
+          <a:bodyPr rtlCol="0" anchor="ctr"/>
+          <a:lstStyle/>
+          <a:p>
+            <a:pPr algn="ctr"/>
+            <a:endParaRPr lang="ko-KR" altLang="en-US"/>
+          </a:p>
+        </p:txBody>
+      </p:sp>
+      <p:sp>
+        <p:nvSpPr>
+          <p:cNvPr id="56" name="모서리가 둥근 직사각형 55"/>
+          <p:cNvSpPr/>
+          <p:nvPr/>
+        </p:nvSpPr>
+        <p:spPr>
+          <a:xfrm>
+            <a:off x="7358082" y="2214554"/>
+            <a:ext cx="2143172" cy="2571768"/>
+          </a:xfrm>
+          <a:prstGeom prst="roundRect">
+            <a:avLst/>
+          </a:prstGeom>
+        </p:spPr>
+        <p:style>
+          <a:lnRef idx="1">
+            <a:schemeClr val="dk1"/>
+          </a:lnRef>
+          <a:fillRef idx="2">
+            <a:schemeClr val="dk1"/>
+          </a:fillRef>
+          <a:effectRef idx="1">
+            <a:schemeClr val="dk1"/>
+          </a:effectRef>
+          <a:fontRef idx="minor">
+            <a:schemeClr val="dk1"/>
+          </a:fontRef>
+        </p:style>
+        <p:txBody>
+          <a:bodyPr rtlCol="0" anchor="ctr"/>
+          <a:lstStyle/>
+          <a:p>
+            <a:pPr algn="ctr"/>
+            <a:endParaRPr lang="ko-KR" altLang="en-US"/>
+          </a:p>
+        </p:txBody>
+      </p:sp>
+      <p:pic>
+        <p:nvPicPr>
+          <p:cNvPr id="9" name="Picture 3" descr="C:\Users\Jay\Desktop\Dev\Interview\0. ignore\user.png"/>
+          <p:cNvPicPr>
+            <a:picLocks noChangeAspect="1" noChangeArrowheads="1"/>
+          </p:cNvPicPr>
+          <p:nvPr/>
+        </p:nvPicPr>
+        <p:blipFill>
+          <a:blip r:embed="rId2"/>
+          <a:srcRect/>
+          <a:stretch>
+            <a:fillRect/>
+          </a:stretch>
+        </p:blipFill>
+        <p:spPr bwMode="auto">
+          <a:xfrm>
+            <a:off x="248715" y="2643182"/>
+            <a:ext cx="1080000" cy="1080000"/>
+          </a:xfrm>
+          <a:prstGeom prst="rect">
+            <a:avLst/>
+          </a:prstGeom>
+          <a:noFill/>
+        </p:spPr>
+      </p:pic>
+      <p:sp>
+        <p:nvSpPr>
+          <p:cNvPr id="10" name="직사각형 9"/>
+          <p:cNvSpPr/>
+          <p:nvPr/>
+        </p:nvSpPr>
+        <p:spPr>
+          <a:xfrm>
+            <a:off x="5429256" y="4000504"/>
+            <a:ext cx="914400" cy="342896"/>
+          </a:xfrm>
+          <a:prstGeom prst="rect">
+            <a:avLst/>
+          </a:prstGeom>
+          <a:ln>
+            <a:solidFill>
+              <a:schemeClr val="bg1"/>
+            </a:solidFill>
+          </a:ln>
+        </p:spPr>
+        <p:style>
+          <a:lnRef idx="2">
+            <a:schemeClr val="dk1"/>
+          </a:lnRef>
+          <a:fillRef idx="1">
+            <a:schemeClr val="lt1"/>
+          </a:fillRef>
+          <a:effectRef idx="0">
+            <a:schemeClr val="dk1"/>
+          </a:effectRef>
+          <a:fontRef idx="minor">
+            <a:schemeClr val="dk1"/>
+          </a:fontRef>
+        </p:style>
+        <p:txBody>
+          <a:bodyPr rtlCol="0" anchor="ctr"/>
+          <a:lstStyle/>
+          <a:p>
+            <a:pPr algn="ctr"/>
+            <a:r>
+              <a:rPr lang="en-US" altLang="ko-KR" dirty="0" smtClean="0"/>
+              <a:t>Proxy</a:t>
+            </a:r>
+            <a:endParaRPr lang="ko-KR" altLang="en-US" dirty="0"/>
+          </a:p>
+        </p:txBody>
+      </p:sp>
+      <p:sp>
+        <p:nvSpPr>
+          <p:cNvPr id="12" name="직사각형 11"/>
+          <p:cNvSpPr/>
+          <p:nvPr/>
+        </p:nvSpPr>
+        <p:spPr>
+          <a:xfrm>
+            <a:off x="320153" y="3929066"/>
+            <a:ext cx="914400" cy="342896"/>
+          </a:xfrm>
+          <a:prstGeom prst="rect">
+            <a:avLst/>
+          </a:prstGeom>
+          <a:ln>
+            <a:solidFill>
+              <a:schemeClr val="bg1"/>
+            </a:solidFill>
+          </a:ln>
+        </p:spPr>
+        <p:style>
+          <a:lnRef idx="2">
+            <a:schemeClr val="dk1"/>
+          </a:lnRef>
+          <a:fillRef idx="1">
+            <a:schemeClr val="lt1"/>
+          </a:fillRef>
+          <a:effectRef idx="0">
+            <a:schemeClr val="dk1"/>
+          </a:effectRef>
+          <a:fontRef idx="minor">
+            <a:schemeClr val="dk1"/>
+          </a:fontRef>
+        </p:style>
+        <p:txBody>
+          <a:bodyPr rtlCol="0" anchor="ctr"/>
+          <a:lstStyle/>
+          <a:p>
+            <a:pPr algn="ctr"/>
+            <a:r>
+              <a:rPr lang="ko-KR" altLang="en-US" dirty="0" smtClean="0"/>
+              <a:t>사용</a:t>
+            </a:r>
+            <a:r>
+              <a:rPr lang="ko-KR" altLang="en-US" dirty="0" smtClean="0"/>
+              <a:t>자</a:t>
+            </a:r>
+            <a:endParaRPr lang="ko-KR" altLang="en-US" dirty="0"/>
+          </a:p>
+        </p:txBody>
+      </p:sp>
+      <p:grpSp>
+        <p:nvGrpSpPr>
+          <p:cNvPr id="4" name="그룹 16"/>
+          <p:cNvGrpSpPr/>
+          <p:nvPr/>
+        </p:nvGrpSpPr>
+        <p:grpSpPr>
+          <a:xfrm>
+            <a:off x="5357818" y="2714620"/>
+            <a:ext cx="1080000" cy="1080000"/>
+            <a:chOff x="1428728" y="2285992"/>
+            <a:chExt cx="4876800" cy="4876800"/>
+          </a:xfrm>
+        </p:grpSpPr>
+        <p:pic>
+          <p:nvPicPr>
+            <p:cNvPr id="18" name="Picture 4" descr="C:\Users\Jay\Desktop\Dev\Interview\0. ignore\cloud.png"/>
+            <p:cNvPicPr>
+              <a:picLocks noChangeAspect="1" noChangeArrowheads="1"/>
+            </p:cNvPicPr>
+            <p:nvPr/>
+          </p:nvPicPr>
+          <p:blipFill>
+            <a:blip r:embed="rId3" cstate="print"/>
+            <a:srcRect/>
+            <a:stretch>
+              <a:fillRect/>
+            </a:stretch>
+          </p:blipFill>
+          <p:spPr bwMode="auto">
+            <a:xfrm>
+              <a:off x="1428728" y="2285992"/>
+              <a:ext cx="4876800" cy="4876800"/>
+            </a:xfrm>
+            <a:prstGeom prst="rect">
+              <a:avLst/>
+            </a:prstGeom>
+            <a:noFill/>
+          </p:spPr>
+        </p:pic>
+        <p:sp>
+          <p:nvSpPr>
+            <p:cNvPr id="19" name="타원 18"/>
+            <p:cNvSpPr/>
+            <p:nvPr/>
+          </p:nvSpPr>
+          <p:spPr>
+            <a:xfrm>
+              <a:off x="1704955" y="6162694"/>
+              <a:ext cx="357190" cy="357190"/>
+            </a:xfrm>
+            <a:prstGeom prst="ellipse">
+              <a:avLst/>
+            </a:prstGeom>
+          </p:spPr>
+          <p:style>
+            <a:lnRef idx="0">
+              <a:schemeClr val="accent1"/>
+            </a:lnRef>
+            <a:fillRef idx="3">
+              <a:schemeClr val="accent1"/>
+            </a:fillRef>
+            <a:effectRef idx="3">
+              <a:schemeClr val="accent1"/>
+            </a:effectRef>
+            <a:fontRef idx="minor">
+              <a:schemeClr val="lt1"/>
+            </a:fontRef>
+          </p:style>
+          <p:txBody>
+            <a:bodyPr rtlCol="0" anchor="ctr"/>
+            <a:lstStyle/>
+            <a:p>
+              <a:pPr algn="ctr"/>
+              <a:endParaRPr lang="ko-KR" altLang="en-US"/>
+            </a:p>
+          </p:txBody>
+        </p:sp>
+        <p:sp>
+          <p:nvSpPr>
+            <p:cNvPr id="20" name="타원 19"/>
+            <p:cNvSpPr/>
+            <p:nvPr/>
+          </p:nvSpPr>
+          <p:spPr>
+            <a:xfrm>
+              <a:off x="3700456" y="6162694"/>
+              <a:ext cx="357190" cy="357190"/>
+            </a:xfrm>
+            <a:prstGeom prst="ellipse">
+              <a:avLst/>
+            </a:prstGeom>
+          </p:spPr>
+          <p:style>
+            <a:lnRef idx="0">
+              <a:schemeClr val="accent2"/>
+            </a:lnRef>
+            <a:fillRef idx="3">
+              <a:schemeClr val="accent2"/>
+            </a:fillRef>
+            <a:effectRef idx="3">
+              <a:schemeClr val="accent2"/>
+            </a:effectRef>
+            <a:fontRef idx="minor">
+              <a:schemeClr val="lt1"/>
+            </a:fontRef>
+          </p:style>
+          <p:txBody>
+            <a:bodyPr rtlCol="0" anchor="ctr"/>
+            <a:lstStyle/>
+            <a:p>
+              <a:pPr algn="ctr"/>
+              <a:endParaRPr lang="ko-KR" altLang="en-US"/>
+            </a:p>
+          </p:txBody>
+        </p:sp>
+        <p:sp>
+          <p:nvSpPr>
+            <p:cNvPr id="21" name="타원 20"/>
+            <p:cNvSpPr/>
+            <p:nvPr/>
+          </p:nvSpPr>
+          <p:spPr>
+            <a:xfrm>
+              <a:off x="5672145" y="6162694"/>
+              <a:ext cx="357190" cy="357190"/>
+            </a:xfrm>
+            <a:prstGeom prst="ellipse">
+              <a:avLst/>
+            </a:prstGeom>
+          </p:spPr>
+          <p:style>
+            <a:lnRef idx="0">
+              <a:schemeClr val="accent3"/>
+            </a:lnRef>
+            <a:fillRef idx="3">
+              <a:schemeClr val="accent3"/>
+            </a:fillRef>
+            <a:effectRef idx="3">
+              <a:schemeClr val="accent3"/>
+            </a:effectRef>
+            <a:fontRef idx="minor">
+              <a:schemeClr val="lt1"/>
+            </a:fontRef>
+          </p:style>
+          <p:txBody>
+            <a:bodyPr rtlCol="0" anchor="ctr"/>
+            <a:lstStyle/>
+            <a:p>
+              <a:pPr algn="ctr"/>
+              <a:endParaRPr lang="ko-KR" altLang="en-US"/>
+            </a:p>
+          </p:txBody>
+        </p:sp>
+      </p:grpSp>
+      <p:grpSp>
+        <p:nvGrpSpPr>
+          <p:cNvPr id="5" name="그룹 21"/>
+          <p:cNvGrpSpPr/>
+          <p:nvPr/>
+        </p:nvGrpSpPr>
+        <p:grpSpPr>
+          <a:xfrm>
+            <a:off x="7972449" y="3000372"/>
+            <a:ext cx="1080000" cy="1080000"/>
+            <a:chOff x="276225" y="1257300"/>
+            <a:chExt cx="5202238" cy="5202238"/>
+          </a:xfrm>
+        </p:grpSpPr>
+        <p:grpSp>
+          <p:nvGrpSpPr>
+            <p:cNvPr id="13" name="그룹 10"/>
+            <p:cNvGrpSpPr/>
+            <p:nvPr/>
+          </p:nvGrpSpPr>
+          <p:grpSpPr>
+            <a:xfrm>
+              <a:off x="276225" y="1257300"/>
+              <a:ext cx="5202238" cy="5202238"/>
+              <a:chOff x="276225" y="1257300"/>
+              <a:chExt cx="5202238" cy="5202238"/>
+            </a:xfrm>
+          </p:grpSpPr>
+          <p:pic>
+            <p:nvPicPr>
+              <p:cNvPr id="25" name="Picture 2" descr="C:\Users\Jay\Desktop\Dev\Interview\0. ignore\servers.png"/>
+              <p:cNvPicPr>
+                <a:picLocks noChangeAspect="1" noChangeArrowheads="1"/>
+              </p:cNvPicPr>
+              <p:nvPr/>
+            </p:nvPicPr>
+            <p:blipFill>
+              <a:blip r:embed="rId4" cstate="print"/>
+              <a:srcRect/>
+              <a:stretch>
+                <a:fillRect/>
+              </a:stretch>
+            </p:blipFill>
+            <p:spPr bwMode="auto">
+              <a:xfrm>
+                <a:off x="276225" y="1257300"/>
+                <a:ext cx="5202238" cy="5202238"/>
+              </a:xfrm>
+              <a:prstGeom prst="rect">
+                <a:avLst/>
+              </a:prstGeom>
+              <a:noFill/>
+            </p:spPr>
+          </p:pic>
+          <p:sp>
+            <p:nvSpPr>
+              <p:cNvPr id="26" name="타원 25"/>
+              <p:cNvSpPr/>
+              <p:nvPr/>
+            </p:nvSpPr>
+            <p:spPr>
+              <a:xfrm>
+                <a:off x="785786" y="4214818"/>
+                <a:ext cx="500066" cy="428628"/>
+              </a:xfrm>
+              <a:prstGeom prst="ellipse">
+                <a:avLst/>
+              </a:prstGeom>
+              <a:solidFill>
+                <a:schemeClr val="tx1"/>
+              </a:solidFill>
+              <a:ln>
+                <a:solidFill>
+                  <a:schemeClr val="tx1"/>
+                </a:solidFill>
+              </a:ln>
+            </p:spPr>
+            <p:style>
+              <a:lnRef idx="2">
+                <a:schemeClr val="accent1">
+                  <a:shade val="50000"/>
+                </a:schemeClr>
+              </a:lnRef>
+              <a:fillRef idx="1">
+                <a:schemeClr val="accent1"/>
+              </a:fillRef>
+              <a:effectRef idx="0">
+                <a:schemeClr val="accent1"/>
+              </a:effectRef>
+              <a:fontRef idx="minor">
+                <a:schemeClr val="lt1"/>
+              </a:fontRef>
+            </p:style>
+            <p:txBody>
+              <a:bodyPr rtlCol="0" anchor="ctr"/>
+              <a:lstStyle/>
+              <a:p>
+                <a:pPr algn="ctr"/>
+                <a:endParaRPr lang="ko-KR" altLang="en-US"/>
+              </a:p>
+            </p:txBody>
+          </p:sp>
+        </p:grpSp>
+        <p:sp>
+          <p:nvSpPr>
+            <p:cNvPr id="24" name="타원 23"/>
+            <p:cNvSpPr/>
+            <p:nvPr/>
+          </p:nvSpPr>
+          <p:spPr>
+            <a:xfrm>
+              <a:off x="928662" y="5600715"/>
+              <a:ext cx="214314" cy="214314"/>
+            </a:xfrm>
+            <a:prstGeom prst="ellipse">
+              <a:avLst/>
+            </a:prstGeom>
+          </p:spPr>
+          <p:style>
+            <a:lnRef idx="0">
+              <a:schemeClr val="accent5"/>
+            </a:lnRef>
+            <a:fillRef idx="3">
+              <a:schemeClr val="accent5"/>
+            </a:fillRef>
+            <a:effectRef idx="3">
+              <a:schemeClr val="accent5"/>
+            </a:effectRef>
+            <a:fontRef idx="minor">
+              <a:schemeClr val="lt1"/>
+            </a:fontRef>
+          </p:style>
+          <p:txBody>
+            <a:bodyPr rtlCol="0" anchor="ctr"/>
+            <a:lstStyle/>
+            <a:p>
+              <a:pPr algn="ctr"/>
+              <a:endParaRPr lang="ko-KR" altLang="en-US"/>
+            </a:p>
+          </p:txBody>
+        </p:sp>
+      </p:grpSp>
+      <p:sp>
+        <p:nvSpPr>
+          <p:cNvPr id="27" name="직사각형 26"/>
+          <p:cNvSpPr/>
+          <p:nvPr/>
+        </p:nvSpPr>
+        <p:spPr>
+          <a:xfrm>
+            <a:off x="7886717" y="4214794"/>
+            <a:ext cx="1228740" cy="342896"/>
+          </a:xfrm>
+          <a:prstGeom prst="rect">
+            <a:avLst/>
+          </a:prstGeom>
+          <a:ln>
+            <a:solidFill>
+              <a:schemeClr val="bg1"/>
+            </a:solidFill>
+          </a:ln>
+        </p:spPr>
+        <p:style>
+          <a:lnRef idx="2">
+            <a:schemeClr val="dk1"/>
+          </a:lnRef>
+          <a:fillRef idx="1">
+            <a:schemeClr val="lt1"/>
+          </a:fillRef>
+          <a:effectRef idx="0">
+            <a:schemeClr val="dk1"/>
+          </a:effectRef>
+          <a:fontRef idx="minor">
+            <a:schemeClr val="dk1"/>
+          </a:fontRef>
+        </p:style>
+        <p:txBody>
+          <a:bodyPr rtlCol="0" anchor="ctr"/>
+          <a:lstStyle/>
+          <a:p>
+            <a:pPr algn="ctr"/>
+            <a:r>
+              <a:rPr lang="en-US" altLang="ko-KR" dirty="0" smtClean="0"/>
+              <a:t>Server2</a:t>
+            </a:r>
+            <a:endParaRPr lang="ko-KR" altLang="en-US" dirty="0"/>
+          </a:p>
+        </p:txBody>
+      </p:sp>
+      <p:pic>
+        <p:nvPicPr>
+          <p:cNvPr id="2050" name="Picture 2" descr="C:\Users\Jay\Desktop\Dev\Interview\0. ignore\cloud (1).png"/>
+          <p:cNvPicPr>
+            <a:picLocks noChangeAspect="1" noChangeArrowheads="1"/>
+          </p:cNvPicPr>
+          <p:nvPr/>
+        </p:nvPicPr>
+        <p:blipFill>
+          <a:blip r:embed="rId5" cstate="print"/>
+          <a:srcRect/>
+          <a:stretch>
+            <a:fillRect/>
+          </a:stretch>
+        </p:blipFill>
+        <p:spPr bwMode="auto">
+          <a:xfrm>
+            <a:off x="2786050" y="2643182"/>
+            <a:ext cx="1080000" cy="1080000"/>
+          </a:xfrm>
+          <a:prstGeom prst="rect">
+            <a:avLst/>
+          </a:prstGeom>
+          <a:noFill/>
+        </p:spPr>
+      </p:pic>
+      <p:pic>
+        <p:nvPicPr>
+          <p:cNvPr id="35" name="Picture 3" descr="C:\Users\Jay\Desktop\Dev\Interview\0. ignore\user.png"/>
+          <p:cNvPicPr>
+            <a:picLocks noChangeAspect="1" noChangeArrowheads="1"/>
+          </p:cNvPicPr>
+          <p:nvPr/>
+        </p:nvPicPr>
+        <p:blipFill>
+          <a:blip r:embed="rId2"/>
+          <a:srcRect/>
+          <a:stretch>
+            <a:fillRect/>
+          </a:stretch>
+        </p:blipFill>
+        <p:spPr bwMode="auto">
+          <a:xfrm>
+            <a:off x="248715" y="642918"/>
+            <a:ext cx="1080000" cy="1080000"/>
+          </a:xfrm>
+          <a:prstGeom prst="rect">
+            <a:avLst/>
+          </a:prstGeom>
+          <a:noFill/>
+        </p:spPr>
+      </p:pic>
+      <p:sp>
+        <p:nvSpPr>
+          <p:cNvPr id="36" name="직사각형 35"/>
+          <p:cNvSpPr/>
+          <p:nvPr/>
+        </p:nvSpPr>
+        <p:spPr>
+          <a:xfrm>
+            <a:off x="320153" y="1928802"/>
+            <a:ext cx="914400" cy="342896"/>
+          </a:xfrm>
+          <a:prstGeom prst="rect">
+            <a:avLst/>
+          </a:prstGeom>
+          <a:ln>
+            <a:solidFill>
+              <a:schemeClr val="bg1"/>
+            </a:solidFill>
+          </a:ln>
+        </p:spPr>
+        <p:style>
+          <a:lnRef idx="2">
+            <a:schemeClr val="dk1"/>
+          </a:lnRef>
+          <a:fillRef idx="1">
+            <a:schemeClr val="lt1"/>
+          </a:fillRef>
+          <a:effectRef idx="0">
+            <a:schemeClr val="dk1"/>
+          </a:effectRef>
+          <a:fontRef idx="minor">
+            <a:schemeClr val="dk1"/>
+          </a:fontRef>
+        </p:style>
+        <p:txBody>
+          <a:bodyPr rtlCol="0" anchor="ctr"/>
+          <a:lstStyle/>
+          <a:p>
+            <a:pPr algn="ctr"/>
+            <a:r>
+              <a:rPr lang="ko-KR" altLang="en-US" dirty="0" smtClean="0"/>
+              <a:t>사용</a:t>
+            </a:r>
+            <a:r>
+              <a:rPr lang="ko-KR" altLang="en-US" dirty="0" smtClean="0"/>
+              <a:t>자</a:t>
+            </a:r>
+            <a:endParaRPr lang="ko-KR" altLang="en-US" dirty="0"/>
+          </a:p>
+        </p:txBody>
+      </p:sp>
+      <p:pic>
+        <p:nvPicPr>
+          <p:cNvPr id="37" name="Picture 3" descr="C:\Users\Jay\Desktop\Dev\Interview\0. ignore\user.png"/>
+          <p:cNvPicPr>
+            <a:picLocks noChangeAspect="1" noChangeArrowheads="1"/>
+          </p:cNvPicPr>
+          <p:nvPr/>
+        </p:nvPicPr>
+        <p:blipFill>
+          <a:blip r:embed="rId2"/>
+          <a:srcRect/>
+          <a:stretch>
+            <a:fillRect/>
+          </a:stretch>
+        </p:blipFill>
+        <p:spPr bwMode="auto">
+          <a:xfrm>
+            <a:off x="248715" y="4714884"/>
+            <a:ext cx="1080000" cy="1080000"/>
+          </a:xfrm>
+          <a:prstGeom prst="rect">
+            <a:avLst/>
+          </a:prstGeom>
+          <a:noFill/>
+        </p:spPr>
+      </p:pic>
+      <p:sp>
+        <p:nvSpPr>
+          <p:cNvPr id="38" name="직사각형 37"/>
+          <p:cNvSpPr/>
+          <p:nvPr/>
+        </p:nvSpPr>
+        <p:spPr>
+          <a:xfrm>
+            <a:off x="320153" y="6000768"/>
+            <a:ext cx="914400" cy="342896"/>
+          </a:xfrm>
+          <a:prstGeom prst="rect">
+            <a:avLst/>
+          </a:prstGeom>
+          <a:ln>
+            <a:solidFill>
+              <a:schemeClr val="bg1"/>
+            </a:solidFill>
+          </a:ln>
+        </p:spPr>
+        <p:style>
+          <a:lnRef idx="2">
+            <a:schemeClr val="dk1"/>
+          </a:lnRef>
+          <a:fillRef idx="1">
+            <a:schemeClr val="lt1"/>
+          </a:fillRef>
+          <a:effectRef idx="0">
+            <a:schemeClr val="dk1"/>
+          </a:effectRef>
+          <a:fontRef idx="minor">
+            <a:schemeClr val="dk1"/>
+          </a:fontRef>
+        </p:style>
+        <p:txBody>
+          <a:bodyPr rtlCol="0" anchor="ctr"/>
+          <a:lstStyle/>
+          <a:p>
+            <a:pPr algn="ctr"/>
+            <a:r>
+              <a:rPr lang="ko-KR" altLang="en-US" dirty="0" smtClean="0"/>
+              <a:t>사용</a:t>
+            </a:r>
+            <a:r>
+              <a:rPr lang="ko-KR" altLang="en-US" dirty="0" smtClean="0"/>
+              <a:t>자</a:t>
+            </a:r>
+            <a:endParaRPr lang="ko-KR" altLang="en-US" dirty="0"/>
+          </a:p>
+        </p:txBody>
+      </p:sp>
+      <p:cxnSp>
+        <p:nvCxnSpPr>
+          <p:cNvPr id="42" name="직선 화살표 연결선 41"/>
+          <p:cNvCxnSpPr/>
+          <p:nvPr/>
+        </p:nvCxnSpPr>
+        <p:spPr>
+          <a:xfrm rot="16200000" flipH="1">
+            <a:off x="1185839" y="1571612"/>
+            <a:ext cx="1643074" cy="928694"/>
+          </a:xfrm>
+          <a:prstGeom prst="straightConnector1">
+            <a:avLst/>
+          </a:prstGeom>
+          <a:ln>
+            <a:headEnd type="arrow"/>
+            <a:tailEnd type="arrow"/>
+          </a:ln>
+        </p:spPr>
+        <p:style>
+          <a:lnRef idx="3">
+            <a:schemeClr val="accent2"/>
+          </a:lnRef>
+          <a:fillRef idx="0">
+            <a:schemeClr val="accent2"/>
+          </a:fillRef>
+          <a:effectRef idx="2">
+            <a:schemeClr val="accent2"/>
+          </a:effectRef>
+          <a:fontRef idx="minor">
+            <a:schemeClr val="tx1"/>
+          </a:fontRef>
+        </p:style>
+      </p:cxnSp>
+      <p:cxnSp>
+        <p:nvCxnSpPr>
+          <p:cNvPr id="44" name="직선 화살표 연결선 43"/>
+          <p:cNvCxnSpPr/>
+          <p:nvPr/>
+        </p:nvCxnSpPr>
+        <p:spPr>
+          <a:xfrm>
+            <a:off x="1400153" y="3286124"/>
+            <a:ext cx="1071570" cy="1588"/>
+          </a:xfrm>
+          <a:prstGeom prst="straightConnector1">
+            <a:avLst/>
+          </a:prstGeom>
+          <a:ln>
+            <a:headEnd type="arrow"/>
+            <a:tailEnd type="arrow"/>
+          </a:ln>
+        </p:spPr>
+        <p:style>
+          <a:lnRef idx="3">
+            <a:schemeClr val="accent2"/>
+          </a:lnRef>
+          <a:fillRef idx="0">
+            <a:schemeClr val="accent2"/>
+          </a:fillRef>
+          <a:effectRef idx="2">
+            <a:schemeClr val="accent2"/>
+          </a:effectRef>
+          <a:fontRef idx="minor">
+            <a:schemeClr val="tx1"/>
+          </a:fontRef>
+        </p:style>
+      </p:cxnSp>
+      <p:cxnSp>
+        <p:nvCxnSpPr>
+          <p:cNvPr id="46" name="직선 화살표 연결선 45"/>
+          <p:cNvCxnSpPr/>
+          <p:nvPr/>
+        </p:nvCxnSpPr>
+        <p:spPr>
+          <a:xfrm rot="5400000" flipH="1" flipV="1">
+            <a:off x="1257277" y="3857628"/>
+            <a:ext cx="1500198" cy="1071570"/>
+          </a:xfrm>
+          <a:prstGeom prst="straightConnector1">
+            <a:avLst/>
+          </a:prstGeom>
+          <a:ln>
+            <a:headEnd type="arrow"/>
+            <a:tailEnd type="arrow"/>
+          </a:ln>
+        </p:spPr>
+        <p:style>
+          <a:lnRef idx="3">
+            <a:schemeClr val="accent2"/>
+          </a:lnRef>
+          <a:fillRef idx="0">
+            <a:schemeClr val="accent2"/>
+          </a:fillRef>
+          <a:effectRef idx="2">
+            <a:schemeClr val="accent2"/>
+          </a:effectRef>
+          <a:fontRef idx="minor">
+            <a:schemeClr val="tx1"/>
+          </a:fontRef>
+        </p:style>
+      </p:cxnSp>
+      <p:cxnSp>
+        <p:nvCxnSpPr>
+          <p:cNvPr id="49" name="직선 화살표 연결선 48"/>
+          <p:cNvCxnSpPr/>
+          <p:nvPr/>
+        </p:nvCxnSpPr>
+        <p:spPr>
+          <a:xfrm>
+            <a:off x="4114797" y="3214686"/>
+            <a:ext cx="928694" cy="1588"/>
+          </a:xfrm>
+          <a:prstGeom prst="straightConnector1">
+            <a:avLst/>
+          </a:prstGeom>
+          <a:ln>
+            <a:headEnd type="arrow"/>
+            <a:tailEnd type="arrow"/>
+          </a:ln>
+        </p:spPr>
+        <p:style>
+          <a:lnRef idx="3">
+            <a:schemeClr val="accent3"/>
+          </a:lnRef>
+          <a:fillRef idx="0">
+            <a:schemeClr val="accent3"/>
+          </a:fillRef>
+          <a:effectRef idx="2">
+            <a:schemeClr val="accent3"/>
+          </a:effectRef>
+          <a:fontRef idx="minor">
+            <a:schemeClr val="tx1"/>
+          </a:fontRef>
+        </p:style>
+      </p:cxnSp>
+      <p:cxnSp>
+        <p:nvCxnSpPr>
+          <p:cNvPr id="53" name="직선 화살표 연결선 52"/>
+          <p:cNvCxnSpPr/>
+          <p:nvPr/>
+        </p:nvCxnSpPr>
+        <p:spPr>
+          <a:xfrm>
+            <a:off x="6615127" y="3213098"/>
+            <a:ext cx="1214446" cy="1588"/>
+          </a:xfrm>
+          <a:prstGeom prst="straightConnector1">
+            <a:avLst/>
+          </a:prstGeom>
+          <a:ln>
+            <a:headEnd type="arrow"/>
+            <a:tailEnd type="arrow"/>
+          </a:ln>
+        </p:spPr>
+        <p:style>
+          <a:lnRef idx="3">
+            <a:schemeClr val="accent3"/>
+          </a:lnRef>
+          <a:fillRef idx="0">
+            <a:schemeClr val="accent3"/>
+          </a:fillRef>
+          <a:effectRef idx="2">
+            <a:schemeClr val="accent3"/>
+          </a:effectRef>
+          <a:fontRef idx="minor">
+            <a:schemeClr val="tx1"/>
+          </a:fontRef>
+        </p:style>
+      </p:cxnSp>
+      <p:sp>
+        <p:nvSpPr>
+          <p:cNvPr id="57" name="직사각형 56"/>
+          <p:cNvSpPr/>
+          <p:nvPr/>
+        </p:nvSpPr>
+        <p:spPr>
+          <a:xfrm>
+            <a:off x="2886063" y="3866058"/>
+            <a:ext cx="914400" cy="342896"/>
+          </a:xfrm>
+          <a:prstGeom prst="rect">
+            <a:avLst/>
+          </a:prstGeom>
+          <a:ln>
+            <a:solidFill>
+              <a:schemeClr val="bg1"/>
+            </a:solidFill>
+          </a:ln>
+        </p:spPr>
+        <p:style>
+          <a:lnRef idx="2">
+            <a:schemeClr val="dk1"/>
+          </a:lnRef>
+          <a:fillRef idx="1">
+            <a:schemeClr val="lt1"/>
+          </a:fillRef>
+          <a:effectRef idx="0">
+            <a:schemeClr val="dk1"/>
+          </a:effectRef>
+          <a:fontRef idx="minor">
+            <a:schemeClr val="dk1"/>
+          </a:fontRef>
+        </p:style>
+        <p:txBody>
+          <a:bodyPr rtlCol="0" anchor="ctr"/>
+          <a:lstStyle/>
+          <a:p>
+            <a:pPr algn="ctr"/>
+            <a:r>
+              <a:rPr lang="ko-KR" altLang="en-US" dirty="0" smtClean="0"/>
+              <a:t>인터넷</a:t>
+            </a:r>
+            <a:endParaRPr lang="ko-KR" altLang="en-US" dirty="0"/>
+          </a:p>
+        </p:txBody>
+      </p:sp>
+      <p:pic>
+        <p:nvPicPr>
+          <p:cNvPr id="3074" name="Picture 2" descr="C:\Users\Jay\Desktop\Dev\Interview\0. ignore\220px-Apache_HTTP_server_logo_(2016).png"/>
+          <p:cNvPicPr>
+            <a:picLocks noChangeAspect="1" noChangeArrowheads="1"/>
+          </p:cNvPicPr>
+          <p:nvPr/>
+        </p:nvPicPr>
+        <p:blipFill>
+          <a:blip r:embed="rId6"/>
+          <a:srcRect/>
+          <a:stretch>
+            <a:fillRect/>
+          </a:stretch>
+        </p:blipFill>
+        <p:spPr bwMode="auto">
+          <a:xfrm>
+            <a:off x="5000628" y="4786322"/>
+            <a:ext cx="1966823" cy="509586"/>
+          </a:xfrm>
+          <a:prstGeom prst="rect">
+            <a:avLst/>
+          </a:prstGeom>
+          <a:noFill/>
+        </p:spPr>
+      </p:pic>
+      <p:pic>
+        <p:nvPicPr>
+          <p:cNvPr id="3075" name="Picture 3" descr="C:\Users\Jay\Desktop\Dev\Interview\0. ignore\Apache_Tomcat_logo.svg.png"/>
+          <p:cNvPicPr>
+            <a:picLocks noChangeAspect="1" noChangeArrowheads="1"/>
+          </p:cNvPicPr>
+          <p:nvPr/>
+        </p:nvPicPr>
+        <p:blipFill>
+          <a:blip r:embed="rId7"/>
+          <a:srcRect/>
+          <a:stretch>
+            <a:fillRect/>
+          </a:stretch>
+        </p:blipFill>
+        <p:spPr bwMode="auto">
+          <a:xfrm>
+            <a:off x="7358082" y="2428868"/>
+            <a:ext cx="1285884" cy="912978"/>
+          </a:xfrm>
+          <a:prstGeom prst="rect">
+            <a:avLst/>
+          </a:prstGeom>
+          <a:noFill/>
+        </p:spPr>
+      </p:pic>
+      <p:sp>
+        <p:nvSpPr>
+          <p:cNvPr id="59" name="모서리가 둥근 직사각형 58"/>
+          <p:cNvSpPr/>
+          <p:nvPr/>
+        </p:nvSpPr>
+        <p:spPr>
+          <a:xfrm>
+            <a:off x="5143504" y="1714488"/>
+            <a:ext cx="1643074" cy="928694"/>
+          </a:xfrm>
+          <a:prstGeom prst="roundRect">
+            <a:avLst/>
+          </a:prstGeom>
+        </p:spPr>
+        <p:style>
+          <a:lnRef idx="2">
+            <a:schemeClr val="dk1"/>
+          </a:lnRef>
+          <a:fillRef idx="1">
+            <a:schemeClr val="lt1"/>
+          </a:fillRef>
+          <a:effectRef idx="0">
+            <a:schemeClr val="dk1"/>
+          </a:effectRef>
+          <a:fontRef idx="minor">
+            <a:schemeClr val="dk1"/>
+          </a:fontRef>
+        </p:style>
+        <p:txBody>
+          <a:bodyPr rtlCol="0" anchor="ctr"/>
+          <a:lstStyle/>
+          <a:p>
+            <a:pPr algn="ctr"/>
+            <a:r>
+              <a:rPr lang="en-US" altLang="ko-KR" dirty="0" smtClean="0"/>
+              <a:t>DMZ</a:t>
+            </a:r>
+            <a:endParaRPr lang="ko-KR" altLang="en-US" dirty="0"/>
+          </a:p>
+        </p:txBody>
+      </p:sp>
+    </p:spTree>
+  </p:cSld>
+  <p:clrMapOvr>
+    <a:masterClrMapping/>
+  </p:clrMapOvr>
+</p:sld>
+</file>
+
+<file path=ppt/slides/slide7.xml><?xml version="1.0" encoding="utf-8"?>
+<p:sld xmlns:a="http://schemas.openxmlformats.org/drawingml/2006/main" xmlns:r="http://schemas.openxmlformats.org/officeDocument/2006/relationships" xmlns:p="http://schemas.openxmlformats.org/presentationml/2006/main">
+  <p:cSld>
+    <p:spTree>
+      <p:nvGrpSpPr>
+        <p:cNvPr id="1" name=""/>
+        <p:cNvGrpSpPr/>
+        <p:nvPr/>
+      </p:nvGrpSpPr>
+      <p:grpSpPr>
+        <a:xfrm>
+          <a:off x="0" y="0"/>
+          <a:ext cx="0" cy="0"/>
+          <a:chOff x="0" y="0"/>
+          <a:chExt cx="0" cy="0"/>
+        </a:xfrm>
+      </p:grpSpPr>
+      <p:sp>
+        <p:nvSpPr>
+          <p:cNvPr id="58" name="모서리가 둥근 직사각형 57"/>
+          <p:cNvSpPr/>
+          <p:nvPr/>
+        </p:nvSpPr>
+        <p:spPr>
+          <a:xfrm>
+            <a:off x="4857720" y="785794"/>
+            <a:ext cx="2143172" cy="5214974"/>
+          </a:xfrm>
+          <a:prstGeom prst="roundRect">
+            <a:avLst/>
+          </a:prstGeom>
+        </p:spPr>
+        <p:style>
+          <a:lnRef idx="1">
+            <a:schemeClr val="dk1"/>
+          </a:lnRef>
+          <a:fillRef idx="2">
+            <a:schemeClr val="dk1"/>
+          </a:fillRef>
+          <a:effectRef idx="1">
+            <a:schemeClr val="dk1"/>
+          </a:effectRef>
+          <a:fontRef idx="minor">
+            <a:schemeClr val="dk1"/>
+          </a:fontRef>
+        </p:style>
+        <p:txBody>
+          <a:bodyPr rtlCol="0" anchor="ctr"/>
+          <a:lstStyle/>
+          <a:p>
+            <a:pPr algn="ctr"/>
+            <a:endParaRPr lang="ko-KR" altLang="en-US"/>
+          </a:p>
+        </p:txBody>
+      </p:sp>
+      <p:sp>
+        <p:nvSpPr>
+          <p:cNvPr id="56" name="모서리가 둥근 직사각형 55"/>
+          <p:cNvSpPr/>
+          <p:nvPr/>
+        </p:nvSpPr>
+        <p:spPr>
+          <a:xfrm>
+            <a:off x="8000992" y="2143116"/>
+            <a:ext cx="2143172" cy="2571768"/>
+          </a:xfrm>
+          <a:prstGeom prst="roundRect">
+            <a:avLst/>
+          </a:prstGeom>
+        </p:spPr>
+        <p:style>
+          <a:lnRef idx="1">
+            <a:schemeClr val="dk1"/>
+          </a:lnRef>
+          <a:fillRef idx="2">
+            <a:schemeClr val="dk1"/>
+          </a:fillRef>
+          <a:effectRef idx="1">
+            <a:schemeClr val="dk1"/>
+          </a:effectRef>
+          <a:fontRef idx="minor">
+            <a:schemeClr val="dk1"/>
+          </a:fontRef>
+        </p:style>
+        <p:txBody>
+          <a:bodyPr rtlCol="0" anchor="ctr"/>
+          <a:lstStyle/>
+          <a:p>
+            <a:pPr algn="ctr"/>
+            <a:endParaRPr lang="ko-KR" altLang="en-US"/>
+          </a:p>
+        </p:txBody>
+      </p:sp>
+      <p:pic>
+        <p:nvPicPr>
+          <p:cNvPr id="9" name="Picture 3" descr="C:\Users\Jay\Desktop\Dev\Interview\0. ignore\user.png"/>
+          <p:cNvPicPr>
+            <a:picLocks noChangeAspect="1" noChangeArrowheads="1"/>
+          </p:cNvPicPr>
+          <p:nvPr/>
+        </p:nvPicPr>
+        <p:blipFill>
+          <a:blip r:embed="rId2"/>
+          <a:srcRect/>
+          <a:stretch>
+            <a:fillRect/>
+          </a:stretch>
+        </p:blipFill>
+        <p:spPr bwMode="auto">
+          <a:xfrm>
+            <a:off x="248715" y="2643182"/>
+            <a:ext cx="1080000" cy="1080000"/>
+          </a:xfrm>
+          <a:prstGeom prst="rect">
+            <a:avLst/>
+          </a:prstGeom>
+          <a:noFill/>
+        </p:spPr>
+      </p:pic>
+      <p:sp>
+        <p:nvSpPr>
+          <p:cNvPr id="10" name="직사각형 9"/>
+          <p:cNvSpPr/>
+          <p:nvPr/>
+        </p:nvSpPr>
+        <p:spPr>
+          <a:xfrm>
+            <a:off x="5429256" y="4000504"/>
+            <a:ext cx="914400" cy="342896"/>
+          </a:xfrm>
+          <a:prstGeom prst="rect">
+            <a:avLst/>
+          </a:prstGeom>
+          <a:ln>
+            <a:solidFill>
+              <a:schemeClr val="bg1"/>
+            </a:solidFill>
+          </a:ln>
+        </p:spPr>
+        <p:style>
+          <a:lnRef idx="2">
+            <a:schemeClr val="dk1"/>
+          </a:lnRef>
+          <a:fillRef idx="1">
+            <a:schemeClr val="lt1"/>
+          </a:fillRef>
+          <a:effectRef idx="0">
+            <a:schemeClr val="dk1"/>
+          </a:effectRef>
+          <a:fontRef idx="minor">
+            <a:schemeClr val="dk1"/>
+          </a:fontRef>
+        </p:style>
+        <p:txBody>
+          <a:bodyPr rtlCol="0" anchor="ctr"/>
+          <a:lstStyle/>
+          <a:p>
+            <a:pPr algn="ctr"/>
+            <a:r>
+              <a:rPr lang="en-US" altLang="ko-KR" dirty="0" smtClean="0"/>
+              <a:t>Proxy</a:t>
+            </a:r>
+            <a:endParaRPr lang="ko-KR" altLang="en-US" dirty="0"/>
+          </a:p>
+        </p:txBody>
+      </p:sp>
+      <p:sp>
+        <p:nvSpPr>
+          <p:cNvPr id="12" name="직사각형 11"/>
+          <p:cNvSpPr/>
+          <p:nvPr/>
+        </p:nvSpPr>
+        <p:spPr>
+          <a:xfrm>
+            <a:off x="320153" y="3929066"/>
+            <a:ext cx="914400" cy="342896"/>
+          </a:xfrm>
+          <a:prstGeom prst="rect">
+            <a:avLst/>
+          </a:prstGeom>
+          <a:ln>
+            <a:solidFill>
+              <a:schemeClr val="bg1"/>
+            </a:solidFill>
+          </a:ln>
+        </p:spPr>
+        <p:style>
+          <a:lnRef idx="2">
+            <a:schemeClr val="dk1"/>
+          </a:lnRef>
+          <a:fillRef idx="1">
+            <a:schemeClr val="lt1"/>
+          </a:fillRef>
+          <a:effectRef idx="0">
+            <a:schemeClr val="dk1"/>
+          </a:effectRef>
+          <a:fontRef idx="minor">
+            <a:schemeClr val="dk1"/>
+          </a:fontRef>
+        </p:style>
+        <p:txBody>
+          <a:bodyPr rtlCol="0" anchor="ctr"/>
+          <a:lstStyle/>
+          <a:p>
+            <a:pPr algn="ctr"/>
+            <a:r>
+              <a:rPr lang="ko-KR" altLang="en-US" dirty="0" smtClean="0"/>
+              <a:t>사용</a:t>
+            </a:r>
+            <a:r>
+              <a:rPr lang="ko-KR" altLang="en-US" dirty="0" smtClean="0"/>
+              <a:t>자</a:t>
+            </a:r>
+            <a:endParaRPr lang="ko-KR" altLang="en-US" dirty="0"/>
+          </a:p>
+        </p:txBody>
+      </p:sp>
+      <p:grpSp>
+        <p:nvGrpSpPr>
+          <p:cNvPr id="2" name="그룹 16"/>
+          <p:cNvGrpSpPr/>
+          <p:nvPr/>
+        </p:nvGrpSpPr>
+        <p:grpSpPr>
+          <a:xfrm>
+            <a:off x="5357818" y="2714620"/>
+            <a:ext cx="1080000" cy="1080000"/>
+            <a:chOff x="1428728" y="2285992"/>
+            <a:chExt cx="4876800" cy="4876800"/>
+          </a:xfrm>
+        </p:grpSpPr>
+        <p:pic>
+          <p:nvPicPr>
+            <p:cNvPr id="18" name="Picture 4" descr="C:\Users\Jay\Desktop\Dev\Interview\0. ignore\cloud.png"/>
+            <p:cNvPicPr>
+              <a:picLocks noChangeAspect="1" noChangeArrowheads="1"/>
+            </p:cNvPicPr>
+            <p:nvPr/>
+          </p:nvPicPr>
+          <p:blipFill>
+            <a:blip r:embed="rId3" cstate="print"/>
+            <a:srcRect/>
+            <a:stretch>
+              <a:fillRect/>
+            </a:stretch>
+          </p:blipFill>
+          <p:spPr bwMode="auto">
+            <a:xfrm>
+              <a:off x="1428728" y="2285992"/>
+              <a:ext cx="4876800" cy="4876800"/>
+            </a:xfrm>
+            <a:prstGeom prst="rect">
+              <a:avLst/>
+            </a:prstGeom>
+            <a:noFill/>
+          </p:spPr>
+        </p:pic>
+        <p:sp>
+          <p:nvSpPr>
+            <p:cNvPr id="19" name="타원 18"/>
+            <p:cNvSpPr/>
+            <p:nvPr/>
+          </p:nvSpPr>
+          <p:spPr>
+            <a:xfrm>
+              <a:off x="1704955" y="6162694"/>
+              <a:ext cx="357190" cy="357190"/>
+            </a:xfrm>
+            <a:prstGeom prst="ellipse">
+              <a:avLst/>
+            </a:prstGeom>
+          </p:spPr>
+          <p:style>
+            <a:lnRef idx="0">
+              <a:schemeClr val="accent1"/>
+            </a:lnRef>
+            <a:fillRef idx="3">
+              <a:schemeClr val="accent1"/>
+            </a:fillRef>
+            <a:effectRef idx="3">
+              <a:schemeClr val="accent1"/>
+            </a:effectRef>
+            <a:fontRef idx="minor">
+              <a:schemeClr val="lt1"/>
+            </a:fontRef>
+          </p:style>
+          <p:txBody>
+            <a:bodyPr rtlCol="0" anchor="ctr"/>
+            <a:lstStyle/>
+            <a:p>
+              <a:pPr algn="ctr"/>
+              <a:endParaRPr lang="ko-KR" altLang="en-US"/>
+            </a:p>
+          </p:txBody>
+        </p:sp>
+        <p:sp>
+          <p:nvSpPr>
+            <p:cNvPr id="20" name="타원 19"/>
+            <p:cNvSpPr/>
+            <p:nvPr/>
+          </p:nvSpPr>
+          <p:spPr>
+            <a:xfrm>
+              <a:off x="3700456" y="6162694"/>
+              <a:ext cx="357190" cy="357190"/>
+            </a:xfrm>
+            <a:prstGeom prst="ellipse">
+              <a:avLst/>
+            </a:prstGeom>
+          </p:spPr>
+          <p:style>
+            <a:lnRef idx="0">
+              <a:schemeClr val="accent2"/>
+            </a:lnRef>
+            <a:fillRef idx="3">
+              <a:schemeClr val="accent2"/>
+            </a:fillRef>
+            <a:effectRef idx="3">
+              <a:schemeClr val="accent2"/>
+            </a:effectRef>
+            <a:fontRef idx="minor">
+              <a:schemeClr val="lt1"/>
+            </a:fontRef>
+          </p:style>
+          <p:txBody>
+            <a:bodyPr rtlCol="0" anchor="ctr"/>
+            <a:lstStyle/>
+            <a:p>
+              <a:pPr algn="ctr"/>
+              <a:endParaRPr lang="ko-KR" altLang="en-US"/>
+            </a:p>
+          </p:txBody>
+        </p:sp>
+        <p:sp>
+          <p:nvSpPr>
+            <p:cNvPr id="21" name="타원 20"/>
+            <p:cNvSpPr/>
+            <p:nvPr/>
+          </p:nvSpPr>
+          <p:spPr>
+            <a:xfrm>
+              <a:off x="5672145" y="6162694"/>
+              <a:ext cx="357190" cy="357190"/>
+            </a:xfrm>
+            <a:prstGeom prst="ellipse">
+              <a:avLst/>
+            </a:prstGeom>
+          </p:spPr>
+          <p:style>
+            <a:lnRef idx="0">
+              <a:schemeClr val="accent3"/>
+            </a:lnRef>
+            <a:fillRef idx="3">
+              <a:schemeClr val="accent3"/>
+            </a:fillRef>
+            <a:effectRef idx="3">
+              <a:schemeClr val="accent3"/>
+            </a:effectRef>
+            <a:fontRef idx="minor">
+              <a:schemeClr val="lt1"/>
+            </a:fontRef>
+          </p:style>
+          <p:txBody>
+            <a:bodyPr rtlCol="0" anchor="ctr"/>
+            <a:lstStyle/>
+            <a:p>
+              <a:pPr algn="ctr"/>
+              <a:endParaRPr lang="ko-KR" altLang="en-US"/>
+            </a:p>
+          </p:txBody>
+        </p:sp>
+      </p:grpSp>
+      <p:grpSp>
+        <p:nvGrpSpPr>
+          <p:cNvPr id="3" name="그룹 21"/>
+          <p:cNvGrpSpPr/>
+          <p:nvPr/>
+        </p:nvGrpSpPr>
+        <p:grpSpPr>
+          <a:xfrm>
+            <a:off x="8615359" y="2928934"/>
+            <a:ext cx="1080000" cy="1080000"/>
+            <a:chOff x="276225" y="1257300"/>
+            <a:chExt cx="5202238" cy="5202238"/>
+          </a:xfrm>
+        </p:grpSpPr>
+        <p:grpSp>
+          <p:nvGrpSpPr>
+            <p:cNvPr id="4" name="그룹 10"/>
+            <p:cNvGrpSpPr/>
+            <p:nvPr/>
+          </p:nvGrpSpPr>
+          <p:grpSpPr>
+            <a:xfrm>
+              <a:off x="276225" y="1257300"/>
+              <a:ext cx="5202238" cy="5202238"/>
+              <a:chOff x="276225" y="1257300"/>
+              <a:chExt cx="5202238" cy="5202238"/>
+            </a:xfrm>
+          </p:grpSpPr>
+          <p:pic>
+            <p:nvPicPr>
+              <p:cNvPr id="25" name="Picture 2" descr="C:\Users\Jay\Desktop\Dev\Interview\0. ignore\servers.png"/>
+              <p:cNvPicPr>
+                <a:picLocks noChangeAspect="1" noChangeArrowheads="1"/>
+              </p:cNvPicPr>
+              <p:nvPr/>
+            </p:nvPicPr>
+            <p:blipFill>
+              <a:blip r:embed="rId4" cstate="print"/>
+              <a:srcRect/>
+              <a:stretch>
+                <a:fillRect/>
+              </a:stretch>
+            </p:blipFill>
+            <p:spPr bwMode="auto">
+              <a:xfrm>
+                <a:off x="276225" y="1257300"/>
+                <a:ext cx="5202238" cy="5202238"/>
+              </a:xfrm>
+              <a:prstGeom prst="rect">
+                <a:avLst/>
+              </a:prstGeom>
+              <a:noFill/>
+            </p:spPr>
+          </p:pic>
+          <p:sp>
+            <p:nvSpPr>
+              <p:cNvPr id="26" name="타원 25"/>
+              <p:cNvSpPr/>
+              <p:nvPr/>
+            </p:nvSpPr>
+            <p:spPr>
+              <a:xfrm>
+                <a:off x="785786" y="4214818"/>
+                <a:ext cx="500066" cy="428628"/>
+              </a:xfrm>
+              <a:prstGeom prst="ellipse">
+                <a:avLst/>
+              </a:prstGeom>
+              <a:solidFill>
+                <a:schemeClr val="tx1"/>
+              </a:solidFill>
+              <a:ln>
+                <a:solidFill>
+                  <a:schemeClr val="tx1"/>
+                </a:solidFill>
+              </a:ln>
+            </p:spPr>
+            <p:style>
+              <a:lnRef idx="2">
+                <a:schemeClr val="accent1">
+                  <a:shade val="50000"/>
+                </a:schemeClr>
+              </a:lnRef>
+              <a:fillRef idx="1">
+                <a:schemeClr val="accent1"/>
+              </a:fillRef>
+              <a:effectRef idx="0">
+                <a:schemeClr val="accent1"/>
+              </a:effectRef>
+              <a:fontRef idx="minor">
+                <a:schemeClr val="lt1"/>
+              </a:fontRef>
+            </p:style>
+            <p:txBody>
+              <a:bodyPr rtlCol="0" anchor="ctr"/>
+              <a:lstStyle/>
+              <a:p>
+                <a:pPr algn="ctr"/>
+                <a:endParaRPr lang="ko-KR" altLang="en-US"/>
+              </a:p>
+            </p:txBody>
+          </p:sp>
+        </p:grpSp>
+        <p:sp>
+          <p:nvSpPr>
+            <p:cNvPr id="24" name="타원 23"/>
+            <p:cNvSpPr/>
+            <p:nvPr/>
+          </p:nvSpPr>
+          <p:spPr>
+            <a:xfrm>
+              <a:off x="928662" y="5600715"/>
+              <a:ext cx="214314" cy="214314"/>
+            </a:xfrm>
+            <a:prstGeom prst="ellipse">
+              <a:avLst/>
+            </a:prstGeom>
+          </p:spPr>
+          <p:style>
+            <a:lnRef idx="0">
+              <a:schemeClr val="accent5"/>
+            </a:lnRef>
+            <a:fillRef idx="3">
+              <a:schemeClr val="accent5"/>
+            </a:fillRef>
+            <a:effectRef idx="3">
+              <a:schemeClr val="accent5"/>
+            </a:effectRef>
+            <a:fontRef idx="minor">
+              <a:schemeClr val="lt1"/>
+            </a:fontRef>
+          </p:style>
+          <p:txBody>
+            <a:bodyPr rtlCol="0" anchor="ctr"/>
+            <a:lstStyle/>
+            <a:p>
+              <a:pPr algn="ctr"/>
+              <a:endParaRPr lang="ko-KR" altLang="en-US"/>
+            </a:p>
+          </p:txBody>
+        </p:sp>
+      </p:grpSp>
+      <p:sp>
+        <p:nvSpPr>
+          <p:cNvPr id="27" name="직사각형 26"/>
+          <p:cNvSpPr/>
+          <p:nvPr/>
+        </p:nvSpPr>
+        <p:spPr>
+          <a:xfrm>
+            <a:off x="8529627" y="4143356"/>
+            <a:ext cx="1228740" cy="342896"/>
+          </a:xfrm>
+          <a:prstGeom prst="rect">
+            <a:avLst/>
+          </a:prstGeom>
+          <a:ln>
+            <a:solidFill>
+              <a:schemeClr val="bg1"/>
+            </a:solidFill>
+          </a:ln>
+        </p:spPr>
+        <p:style>
+          <a:lnRef idx="2">
+            <a:schemeClr val="dk1"/>
+          </a:lnRef>
+          <a:fillRef idx="1">
+            <a:schemeClr val="lt1"/>
+          </a:fillRef>
+          <a:effectRef idx="0">
+            <a:schemeClr val="dk1"/>
+          </a:effectRef>
+          <a:fontRef idx="minor">
+            <a:schemeClr val="dk1"/>
+          </a:fontRef>
+        </p:style>
+        <p:txBody>
+          <a:bodyPr rtlCol="0" anchor="ctr"/>
+          <a:lstStyle/>
+          <a:p>
+            <a:pPr algn="ctr"/>
+            <a:r>
+              <a:rPr lang="en-US" altLang="ko-KR" dirty="0" smtClean="0"/>
+              <a:t>Server2</a:t>
+            </a:r>
+            <a:endParaRPr lang="ko-KR" altLang="en-US" dirty="0"/>
+          </a:p>
+        </p:txBody>
+      </p:sp>
+      <p:pic>
+        <p:nvPicPr>
+          <p:cNvPr id="2050" name="Picture 2" descr="C:\Users\Jay\Desktop\Dev\Interview\0. ignore\cloud (1).png"/>
+          <p:cNvPicPr>
+            <a:picLocks noChangeAspect="1" noChangeArrowheads="1"/>
+          </p:cNvPicPr>
+          <p:nvPr/>
+        </p:nvPicPr>
+        <p:blipFill>
+          <a:blip r:embed="rId5" cstate="print"/>
+          <a:srcRect/>
+          <a:stretch>
+            <a:fillRect/>
+          </a:stretch>
+        </p:blipFill>
+        <p:spPr bwMode="auto">
+          <a:xfrm>
+            <a:off x="2786050" y="2643182"/>
+            <a:ext cx="1080000" cy="1080000"/>
+          </a:xfrm>
+          <a:prstGeom prst="rect">
+            <a:avLst/>
+          </a:prstGeom>
+          <a:noFill/>
+        </p:spPr>
+      </p:pic>
+      <p:pic>
+        <p:nvPicPr>
+          <p:cNvPr id="35" name="Picture 3" descr="C:\Users\Jay\Desktop\Dev\Interview\0. ignore\user.png"/>
+          <p:cNvPicPr>
+            <a:picLocks noChangeAspect="1" noChangeArrowheads="1"/>
+          </p:cNvPicPr>
+          <p:nvPr/>
+        </p:nvPicPr>
+        <p:blipFill>
+          <a:blip r:embed="rId2"/>
+          <a:srcRect/>
+          <a:stretch>
+            <a:fillRect/>
+          </a:stretch>
+        </p:blipFill>
+        <p:spPr bwMode="auto">
+          <a:xfrm>
+            <a:off x="248715" y="642918"/>
+            <a:ext cx="1080000" cy="1080000"/>
+          </a:xfrm>
+          <a:prstGeom prst="rect">
+            <a:avLst/>
+          </a:prstGeom>
+          <a:noFill/>
+        </p:spPr>
+      </p:pic>
+      <p:sp>
+        <p:nvSpPr>
+          <p:cNvPr id="36" name="직사각형 35"/>
+          <p:cNvSpPr/>
+          <p:nvPr/>
+        </p:nvSpPr>
+        <p:spPr>
+          <a:xfrm>
+            <a:off x="320153" y="1928802"/>
+            <a:ext cx="914400" cy="342896"/>
+          </a:xfrm>
+          <a:prstGeom prst="rect">
+            <a:avLst/>
+          </a:prstGeom>
+          <a:ln>
+            <a:solidFill>
+              <a:schemeClr val="bg1"/>
+            </a:solidFill>
+          </a:ln>
+        </p:spPr>
+        <p:style>
+          <a:lnRef idx="2">
+            <a:schemeClr val="dk1"/>
+          </a:lnRef>
+          <a:fillRef idx="1">
+            <a:schemeClr val="lt1"/>
+          </a:fillRef>
+          <a:effectRef idx="0">
+            <a:schemeClr val="dk1"/>
+          </a:effectRef>
+          <a:fontRef idx="minor">
+            <a:schemeClr val="dk1"/>
+          </a:fontRef>
+        </p:style>
+        <p:txBody>
+          <a:bodyPr rtlCol="0" anchor="ctr"/>
+          <a:lstStyle/>
+          <a:p>
+            <a:pPr algn="ctr"/>
+            <a:r>
+              <a:rPr lang="ko-KR" altLang="en-US" dirty="0" smtClean="0"/>
+              <a:t>사용</a:t>
+            </a:r>
+            <a:r>
+              <a:rPr lang="ko-KR" altLang="en-US" dirty="0" smtClean="0"/>
+              <a:t>자</a:t>
+            </a:r>
+            <a:endParaRPr lang="ko-KR" altLang="en-US" dirty="0"/>
+          </a:p>
+        </p:txBody>
+      </p:sp>
+      <p:pic>
+        <p:nvPicPr>
+          <p:cNvPr id="37" name="Picture 3" descr="C:\Users\Jay\Desktop\Dev\Interview\0. ignore\user.png"/>
+          <p:cNvPicPr>
+            <a:picLocks noChangeAspect="1" noChangeArrowheads="1"/>
+          </p:cNvPicPr>
+          <p:nvPr/>
+        </p:nvPicPr>
+        <p:blipFill>
+          <a:blip r:embed="rId2"/>
+          <a:srcRect/>
+          <a:stretch>
+            <a:fillRect/>
+          </a:stretch>
+        </p:blipFill>
+        <p:spPr bwMode="auto">
+          <a:xfrm>
+            <a:off x="248715" y="4714884"/>
+            <a:ext cx="1080000" cy="1080000"/>
+          </a:xfrm>
+          <a:prstGeom prst="rect">
+            <a:avLst/>
+          </a:prstGeom>
+          <a:noFill/>
+        </p:spPr>
+      </p:pic>
+      <p:sp>
+        <p:nvSpPr>
+          <p:cNvPr id="38" name="직사각형 37"/>
+          <p:cNvSpPr/>
+          <p:nvPr/>
+        </p:nvSpPr>
+        <p:spPr>
+          <a:xfrm>
+            <a:off x="320153" y="6000768"/>
+            <a:ext cx="914400" cy="342896"/>
+          </a:xfrm>
+          <a:prstGeom prst="rect">
+            <a:avLst/>
+          </a:prstGeom>
+          <a:ln>
+            <a:solidFill>
+              <a:schemeClr val="bg1"/>
+            </a:solidFill>
+          </a:ln>
+        </p:spPr>
+        <p:style>
+          <a:lnRef idx="2">
+            <a:schemeClr val="dk1"/>
+          </a:lnRef>
+          <a:fillRef idx="1">
+            <a:schemeClr val="lt1"/>
+          </a:fillRef>
+          <a:effectRef idx="0">
+            <a:schemeClr val="dk1"/>
+          </a:effectRef>
+          <a:fontRef idx="minor">
+            <a:schemeClr val="dk1"/>
+          </a:fontRef>
+        </p:style>
+        <p:txBody>
+          <a:bodyPr rtlCol="0" anchor="ctr"/>
+          <a:lstStyle/>
+          <a:p>
+            <a:pPr algn="ctr"/>
+            <a:r>
+              <a:rPr lang="ko-KR" altLang="en-US" dirty="0" smtClean="0"/>
+              <a:t>사용</a:t>
+            </a:r>
+            <a:r>
+              <a:rPr lang="ko-KR" altLang="en-US" dirty="0" smtClean="0"/>
+              <a:t>자</a:t>
+            </a:r>
+            <a:endParaRPr lang="ko-KR" altLang="en-US" dirty="0"/>
+          </a:p>
+        </p:txBody>
+      </p:sp>
+      <p:cxnSp>
+        <p:nvCxnSpPr>
+          <p:cNvPr id="42" name="직선 화살표 연결선 41"/>
+          <p:cNvCxnSpPr/>
+          <p:nvPr/>
+        </p:nvCxnSpPr>
+        <p:spPr>
+          <a:xfrm rot="16200000" flipH="1">
+            <a:off x="1185839" y="1571612"/>
+            <a:ext cx="1643074" cy="928694"/>
+          </a:xfrm>
+          <a:prstGeom prst="straightConnector1">
+            <a:avLst/>
+          </a:prstGeom>
+          <a:ln>
+            <a:headEnd type="arrow"/>
+            <a:tailEnd type="arrow"/>
+          </a:ln>
+        </p:spPr>
+        <p:style>
+          <a:lnRef idx="3">
+            <a:schemeClr val="accent5"/>
+          </a:lnRef>
+          <a:fillRef idx="0">
+            <a:schemeClr val="accent5"/>
+          </a:fillRef>
+          <a:effectRef idx="2">
+            <a:schemeClr val="accent5"/>
+          </a:effectRef>
+          <a:fontRef idx="minor">
+            <a:schemeClr val="tx1"/>
+          </a:fontRef>
+        </p:style>
+      </p:cxnSp>
+      <p:cxnSp>
+        <p:nvCxnSpPr>
+          <p:cNvPr id="44" name="직선 화살표 연결선 43"/>
+          <p:cNvCxnSpPr/>
+          <p:nvPr/>
+        </p:nvCxnSpPr>
+        <p:spPr>
+          <a:xfrm>
+            <a:off x="1400153" y="3286124"/>
+            <a:ext cx="1071570" cy="1588"/>
+          </a:xfrm>
+          <a:prstGeom prst="straightConnector1">
+            <a:avLst/>
+          </a:prstGeom>
+          <a:ln>
+            <a:headEnd type="arrow"/>
+            <a:tailEnd type="arrow"/>
+          </a:ln>
+        </p:spPr>
+        <p:style>
+          <a:lnRef idx="3">
+            <a:schemeClr val="accent5"/>
+          </a:lnRef>
+          <a:fillRef idx="0">
+            <a:schemeClr val="accent5"/>
+          </a:fillRef>
+          <a:effectRef idx="2">
+            <a:schemeClr val="accent5"/>
+          </a:effectRef>
+          <a:fontRef idx="minor">
+            <a:schemeClr val="tx1"/>
+          </a:fontRef>
+        </p:style>
+      </p:cxnSp>
+      <p:cxnSp>
+        <p:nvCxnSpPr>
+          <p:cNvPr id="46" name="직선 화살표 연결선 45"/>
+          <p:cNvCxnSpPr/>
+          <p:nvPr/>
+        </p:nvCxnSpPr>
+        <p:spPr>
+          <a:xfrm rot="5400000" flipH="1" flipV="1">
+            <a:off x="1257277" y="3857628"/>
+            <a:ext cx="1500198" cy="1071570"/>
+          </a:xfrm>
+          <a:prstGeom prst="straightConnector1">
+            <a:avLst/>
+          </a:prstGeom>
+          <a:ln>
+            <a:headEnd type="arrow"/>
+            <a:tailEnd type="arrow"/>
+          </a:ln>
+        </p:spPr>
+        <p:style>
+          <a:lnRef idx="3">
+            <a:schemeClr val="accent5"/>
+          </a:lnRef>
+          <a:fillRef idx="0">
+            <a:schemeClr val="accent5"/>
+          </a:fillRef>
+          <a:effectRef idx="2">
+            <a:schemeClr val="accent5"/>
+          </a:effectRef>
+          <a:fontRef idx="minor">
+            <a:schemeClr val="tx1"/>
+          </a:fontRef>
+        </p:style>
+      </p:cxnSp>
+      <p:cxnSp>
+        <p:nvCxnSpPr>
+          <p:cNvPr id="49" name="직선 화살표 연결선 48"/>
+          <p:cNvCxnSpPr/>
+          <p:nvPr/>
+        </p:nvCxnSpPr>
+        <p:spPr>
+          <a:xfrm>
+            <a:off x="4114797" y="3214686"/>
+            <a:ext cx="928694" cy="1588"/>
+          </a:xfrm>
+          <a:prstGeom prst="straightConnector1">
+            <a:avLst/>
+          </a:prstGeom>
+          <a:ln>
+            <a:headEnd type="arrow"/>
+            <a:tailEnd type="arrow"/>
+          </a:ln>
+        </p:spPr>
+        <p:style>
+          <a:lnRef idx="3">
+            <a:schemeClr val="accent3"/>
+          </a:lnRef>
+          <a:fillRef idx="0">
+            <a:schemeClr val="accent3"/>
+          </a:fillRef>
+          <a:effectRef idx="2">
+            <a:schemeClr val="accent3"/>
+          </a:effectRef>
+          <a:fontRef idx="minor">
+            <a:schemeClr val="tx1"/>
+          </a:fontRef>
+        </p:style>
+      </p:cxnSp>
+      <p:cxnSp>
+        <p:nvCxnSpPr>
+          <p:cNvPr id="53" name="직선 화살표 연결선 52"/>
+          <p:cNvCxnSpPr/>
+          <p:nvPr/>
+        </p:nvCxnSpPr>
+        <p:spPr>
+          <a:xfrm>
+            <a:off x="6858016" y="3213098"/>
+            <a:ext cx="1214446" cy="1588"/>
+          </a:xfrm>
+          <a:prstGeom prst="straightConnector1">
+            <a:avLst/>
+          </a:prstGeom>
+          <a:ln>
+            <a:headEnd type="arrow"/>
+            <a:tailEnd type="arrow"/>
+          </a:ln>
+        </p:spPr>
+        <p:style>
+          <a:lnRef idx="3">
+            <a:schemeClr val="accent3"/>
+          </a:lnRef>
+          <a:fillRef idx="0">
+            <a:schemeClr val="accent3"/>
+          </a:fillRef>
+          <a:effectRef idx="2">
+            <a:schemeClr val="accent3"/>
+          </a:effectRef>
+          <a:fontRef idx="minor">
+            <a:schemeClr val="tx1"/>
+          </a:fontRef>
+        </p:style>
+      </p:cxnSp>
+      <p:sp>
+        <p:nvSpPr>
+          <p:cNvPr id="57" name="직사각형 56"/>
+          <p:cNvSpPr/>
+          <p:nvPr/>
+        </p:nvSpPr>
+        <p:spPr>
+          <a:xfrm>
+            <a:off x="2886063" y="3866058"/>
+            <a:ext cx="914400" cy="342896"/>
+          </a:xfrm>
+          <a:prstGeom prst="rect">
+            <a:avLst/>
+          </a:prstGeom>
+          <a:ln>
+            <a:solidFill>
+              <a:schemeClr val="bg1"/>
+            </a:solidFill>
+          </a:ln>
+        </p:spPr>
+        <p:style>
+          <a:lnRef idx="2">
+            <a:schemeClr val="dk1"/>
+          </a:lnRef>
+          <a:fillRef idx="1">
+            <a:schemeClr val="lt1"/>
+          </a:fillRef>
+          <a:effectRef idx="0">
+            <a:schemeClr val="dk1"/>
+          </a:effectRef>
+          <a:fontRef idx="minor">
+            <a:schemeClr val="dk1"/>
+          </a:fontRef>
+        </p:style>
+        <p:txBody>
+          <a:bodyPr rtlCol="0" anchor="ctr"/>
+          <a:lstStyle/>
+          <a:p>
+            <a:pPr algn="ctr"/>
+            <a:r>
+              <a:rPr lang="ko-KR" altLang="en-US" dirty="0" smtClean="0"/>
+              <a:t>인터넷</a:t>
+            </a:r>
+            <a:endParaRPr lang="ko-KR" altLang="en-US" dirty="0"/>
+          </a:p>
+        </p:txBody>
+      </p:sp>
+      <p:pic>
+        <p:nvPicPr>
+          <p:cNvPr id="3074" name="Picture 2" descr="C:\Users\Jay\Desktop\Dev\Interview\0. ignore\220px-Apache_HTTP_server_logo_(2016).png"/>
+          <p:cNvPicPr>
+            <a:picLocks noChangeAspect="1" noChangeArrowheads="1"/>
+          </p:cNvPicPr>
+          <p:nvPr/>
+        </p:nvPicPr>
+        <p:blipFill>
+          <a:blip r:embed="rId6"/>
+          <a:srcRect/>
+          <a:stretch>
+            <a:fillRect/>
+          </a:stretch>
+        </p:blipFill>
+        <p:spPr bwMode="auto">
+          <a:xfrm>
+            <a:off x="5000628" y="4786322"/>
+            <a:ext cx="1966823" cy="509586"/>
+          </a:xfrm>
+          <a:prstGeom prst="rect">
+            <a:avLst/>
+          </a:prstGeom>
+          <a:noFill/>
+        </p:spPr>
+      </p:pic>
+      <p:pic>
+        <p:nvPicPr>
+          <p:cNvPr id="3075" name="Picture 3" descr="C:\Users\Jay\Desktop\Dev\Interview\0. ignore\Apache_Tomcat_logo.svg.png"/>
+          <p:cNvPicPr>
+            <a:picLocks noChangeAspect="1" noChangeArrowheads="1"/>
+          </p:cNvPicPr>
+          <p:nvPr/>
+        </p:nvPicPr>
+        <p:blipFill>
+          <a:blip r:embed="rId7"/>
+          <a:srcRect/>
+          <a:stretch>
+            <a:fillRect/>
+          </a:stretch>
+        </p:blipFill>
+        <p:spPr bwMode="auto">
+          <a:xfrm>
+            <a:off x="8000992" y="2357430"/>
+            <a:ext cx="1285884" cy="912978"/>
+          </a:xfrm>
+          <a:prstGeom prst="rect">
+            <a:avLst/>
+          </a:prstGeom>
+          <a:noFill/>
+        </p:spPr>
+      </p:pic>
+      <p:sp>
+        <p:nvSpPr>
+          <p:cNvPr id="59" name="모서리가 둥근 직사각형 58"/>
+          <p:cNvSpPr/>
+          <p:nvPr/>
+        </p:nvSpPr>
+        <p:spPr>
+          <a:xfrm>
+            <a:off x="5105404" y="-142900"/>
+            <a:ext cx="1643074" cy="928694"/>
+          </a:xfrm>
+          <a:prstGeom prst="roundRect">
+            <a:avLst/>
+          </a:prstGeom>
+        </p:spPr>
+        <p:style>
+          <a:lnRef idx="2">
+            <a:schemeClr val="dk1"/>
+          </a:lnRef>
+          <a:fillRef idx="1">
+            <a:schemeClr val="lt1"/>
+          </a:fillRef>
+          <a:effectRef idx="0">
+            <a:schemeClr val="dk1"/>
+          </a:effectRef>
+          <a:fontRef idx="minor">
+            <a:schemeClr val="dk1"/>
+          </a:fontRef>
+        </p:style>
+        <p:txBody>
+          <a:bodyPr rtlCol="0" anchor="ctr"/>
+          <a:lstStyle/>
+          <a:p>
+            <a:pPr algn="ctr"/>
+            <a:r>
+              <a:rPr lang="en-US" altLang="ko-KR" dirty="0" smtClean="0"/>
+              <a:t>DMZ</a:t>
+            </a:r>
+            <a:endParaRPr lang="ko-KR" altLang="en-US" dirty="0"/>
+          </a:p>
+        </p:txBody>
+      </p:sp>
+      <p:cxnSp>
+        <p:nvCxnSpPr>
+          <p:cNvPr id="33" name="직선 연결선 32"/>
+          <p:cNvCxnSpPr/>
+          <p:nvPr/>
+        </p:nvCxnSpPr>
+        <p:spPr>
+          <a:xfrm rot="5400000">
+            <a:off x="1606541" y="3821127"/>
+            <a:ext cx="5786454" cy="1588"/>
+          </a:xfrm>
+          <a:prstGeom prst="line">
+            <a:avLst/>
+          </a:prstGeom>
+          <a:ln>
+            <a:prstDash val="dash"/>
+          </a:ln>
+        </p:spPr>
+        <p:style>
+          <a:lnRef idx="3">
+            <a:schemeClr val="accent2"/>
+          </a:lnRef>
+          <a:fillRef idx="0">
+            <a:schemeClr val="accent2"/>
+          </a:fillRef>
+          <a:effectRef idx="2">
+            <a:schemeClr val="accent2"/>
+          </a:effectRef>
+          <a:fontRef idx="minor">
+            <a:schemeClr val="tx1"/>
+          </a:fontRef>
+        </p:style>
+      </p:cxnSp>
+      <p:cxnSp>
+        <p:nvCxnSpPr>
+          <p:cNvPr id="39" name="직선 연결선 38"/>
+          <p:cNvCxnSpPr/>
+          <p:nvPr/>
+        </p:nvCxnSpPr>
+        <p:spPr>
+          <a:xfrm rot="5400000">
+            <a:off x="4608525" y="3821127"/>
+            <a:ext cx="5786454" cy="1588"/>
+          </a:xfrm>
+          <a:prstGeom prst="line">
+            <a:avLst/>
+          </a:prstGeom>
+          <a:ln>
+            <a:solidFill>
+              <a:schemeClr val="accent2">
+                <a:alpha val="43000"/>
+              </a:schemeClr>
+            </a:solidFill>
+            <a:prstDash val="dash"/>
+          </a:ln>
+        </p:spPr>
+        <p:style>
+          <a:lnRef idx="3">
+            <a:schemeClr val="accent2"/>
+          </a:lnRef>
+          <a:fillRef idx="0">
+            <a:schemeClr val="accent2"/>
+          </a:fillRef>
+          <a:effectRef idx="2">
+            <a:schemeClr val="accent2"/>
+          </a:effectRef>
+          <a:fontRef idx="minor">
+            <a:schemeClr val="tx1"/>
+          </a:fontRef>
+        </p:style>
+      </p:cxnSp>
+      <p:sp>
+        <p:nvSpPr>
+          <p:cNvPr id="40" name="모서리가 둥근 직사각형 39"/>
+          <p:cNvSpPr/>
+          <p:nvPr/>
+        </p:nvSpPr>
+        <p:spPr>
+          <a:xfrm>
+            <a:off x="3900483" y="6715148"/>
+            <a:ext cx="1214446" cy="571504"/>
+          </a:xfrm>
+          <a:prstGeom prst="roundRect">
+            <a:avLst/>
+          </a:prstGeom>
+        </p:spPr>
+        <p:style>
+          <a:lnRef idx="2">
+            <a:schemeClr val="accent6">
+              <a:shade val="50000"/>
+            </a:schemeClr>
+          </a:lnRef>
+          <a:fillRef idx="1">
+            <a:schemeClr val="accent6"/>
+          </a:fillRef>
+          <a:effectRef idx="0">
+            <a:schemeClr val="accent6"/>
+          </a:effectRef>
+          <a:fontRef idx="minor">
+            <a:schemeClr val="lt1"/>
+          </a:fontRef>
+        </p:style>
+        <p:txBody>
+          <a:bodyPr rtlCol="0" anchor="ctr"/>
+          <a:lstStyle/>
+          <a:p>
+            <a:pPr algn="ctr"/>
+            <a:r>
+              <a:rPr lang="ko-KR" altLang="en-US" smtClean="0"/>
+              <a:t>방화</a:t>
+            </a:r>
+            <a:r>
+              <a:rPr lang="ko-KR" altLang="en-US" smtClean="0"/>
+              <a:t>벽</a:t>
+            </a:r>
+            <a:endParaRPr lang="ko-KR" altLang="en-US"/>
+          </a:p>
+        </p:txBody>
+      </p:sp>
+      <p:sp>
+        <p:nvSpPr>
+          <p:cNvPr id="41" name="모서리가 둥근 직사각형 40"/>
+          <p:cNvSpPr/>
+          <p:nvPr/>
+        </p:nvSpPr>
+        <p:spPr>
+          <a:xfrm>
+            <a:off x="6900879" y="6715148"/>
+            <a:ext cx="1214446" cy="571504"/>
+          </a:xfrm>
+          <a:prstGeom prst="roundRect">
+            <a:avLst/>
+          </a:prstGeom>
+          <a:solidFill>
+            <a:schemeClr val="accent6">
+              <a:alpha val="49000"/>
+            </a:schemeClr>
+          </a:solidFill>
+        </p:spPr>
+        <p:style>
+          <a:lnRef idx="2">
+            <a:schemeClr val="accent6">
+              <a:shade val="50000"/>
+            </a:schemeClr>
+          </a:lnRef>
+          <a:fillRef idx="1">
+            <a:schemeClr val="accent6"/>
+          </a:fillRef>
+          <a:effectRef idx="0">
+            <a:schemeClr val="accent6"/>
+          </a:effectRef>
+          <a:fontRef idx="minor">
+            <a:schemeClr val="lt1"/>
+          </a:fontRef>
+        </p:style>
+        <p:txBody>
+          <a:bodyPr rtlCol="0" anchor="ctr"/>
+          <a:lstStyle/>
+          <a:p>
+            <a:pPr algn="ctr"/>
+            <a:r>
+              <a:rPr lang="en-US" altLang="ko-KR" dirty="0" smtClean="0"/>
+              <a:t>(</a:t>
+            </a:r>
+            <a:r>
+              <a:rPr lang="ko-KR" altLang="en-US" dirty="0" smtClean="0"/>
+              <a:t>방화벽</a:t>
+            </a:r>
+            <a:r>
+              <a:rPr lang="en-US" altLang="ko-KR" dirty="0" smtClean="0"/>
+              <a:t>)</a:t>
+            </a:r>
+            <a:endParaRPr lang="ko-KR" altLang="en-US" dirty="0"/>
+          </a:p>
+        </p:txBody>
+      </p:sp>
+      <p:sp>
+        <p:nvSpPr>
+          <p:cNvPr id="43" name="타원 42"/>
+          <p:cNvSpPr/>
+          <p:nvPr/>
+        </p:nvSpPr>
+        <p:spPr>
+          <a:xfrm>
+            <a:off x="4857752" y="1214422"/>
+            <a:ext cx="1143008" cy="428628"/>
+          </a:xfrm>
+          <a:prstGeom prst="ellipse">
+            <a:avLst/>
+          </a:prstGeom>
+        </p:spPr>
+        <p:style>
+          <a:lnRef idx="3">
+            <a:schemeClr val="lt1"/>
+          </a:lnRef>
+          <a:fillRef idx="1">
+            <a:schemeClr val="accent6"/>
+          </a:fillRef>
+          <a:effectRef idx="1">
+            <a:schemeClr val="accent6"/>
+          </a:effectRef>
+          <a:fontRef idx="minor">
+            <a:schemeClr val="lt1"/>
+          </a:fontRef>
+        </p:style>
+        <p:txBody>
+          <a:bodyPr rtlCol="0" anchor="ctr"/>
+          <a:lstStyle/>
+          <a:p>
+            <a:pPr algn="ctr"/>
+            <a:r>
+              <a:rPr lang="en-US" altLang="ko-KR" dirty="0" smtClean="0"/>
+              <a:t>FTP</a:t>
+            </a:r>
+            <a:endParaRPr lang="ko-KR" altLang="en-US" dirty="0"/>
+          </a:p>
+        </p:txBody>
+      </p:sp>
+      <p:sp>
+        <p:nvSpPr>
+          <p:cNvPr id="45" name="타원 44"/>
+          <p:cNvSpPr/>
+          <p:nvPr/>
+        </p:nvSpPr>
+        <p:spPr>
+          <a:xfrm>
+            <a:off x="5286380" y="1857364"/>
+            <a:ext cx="1643074" cy="642942"/>
+          </a:xfrm>
+          <a:prstGeom prst="ellipse">
+            <a:avLst/>
+          </a:prstGeom>
+        </p:spPr>
+        <p:style>
+          <a:lnRef idx="3">
+            <a:schemeClr val="lt1"/>
+          </a:lnRef>
+          <a:fillRef idx="1">
+            <a:schemeClr val="accent6"/>
+          </a:fillRef>
+          <a:effectRef idx="1">
+            <a:schemeClr val="accent6"/>
+          </a:effectRef>
+          <a:fontRef idx="minor">
+            <a:schemeClr val="lt1"/>
+          </a:fontRef>
+        </p:style>
+        <p:txBody>
+          <a:bodyPr rtlCol="0" anchor="ctr"/>
+          <a:lstStyle/>
+          <a:p>
+            <a:pPr algn="ctr"/>
+            <a:r>
+              <a:rPr lang="ko-KR" altLang="en-US" err="1" smtClean="0"/>
+              <a:t>이메일</a:t>
+            </a:r>
+            <a:r>
+              <a:rPr lang="ko-KR" altLang="en-US" dirty="0" smtClean="0"/>
+              <a:t> 서버</a:t>
+            </a:r>
+            <a:endParaRPr lang="ko-KR" altLang="en-US" dirty="0"/>
+          </a:p>
+        </p:txBody>
+      </p:sp>
+      <p:sp>
+        <p:nvSpPr>
+          <p:cNvPr id="47" name="타원 46"/>
+          <p:cNvSpPr/>
+          <p:nvPr/>
+        </p:nvSpPr>
+        <p:spPr>
+          <a:xfrm>
+            <a:off x="5643570" y="5214950"/>
+            <a:ext cx="1285884" cy="428628"/>
+          </a:xfrm>
+          <a:prstGeom prst="ellipse">
+            <a:avLst/>
+          </a:prstGeom>
+        </p:spPr>
+        <p:style>
+          <a:lnRef idx="3">
+            <a:schemeClr val="lt1"/>
+          </a:lnRef>
+          <a:fillRef idx="1">
+            <a:schemeClr val="accent6"/>
+          </a:fillRef>
+          <a:effectRef idx="1">
+            <a:schemeClr val="accent6"/>
+          </a:effectRef>
+          <a:fontRef idx="minor">
+            <a:schemeClr val="lt1"/>
+          </a:fontRef>
+        </p:style>
+        <p:txBody>
+          <a:bodyPr rtlCol="0" anchor="ctr"/>
+          <a:lstStyle/>
+          <a:p>
+            <a:pPr algn="ctr"/>
+            <a:r>
+              <a:rPr lang="ko-KR" altLang="en-US" smtClean="0"/>
+              <a:t>웹서버</a:t>
+            </a:r>
+            <a:endParaRPr lang="ko-KR" altLang="en-US" dirty="0"/>
+          </a:p>
+        </p:txBody>
+      </p:sp>
+    </p:spTree>
+  </p:cSld>
+  <p:clrMapOvr>
+    <a:masterClrMapping/>
+  </p:clrMapOvr>
+</p:sld>
+</file>
+
+<file path=ppt/slides/slide8.xml><?xml version="1.0" encoding="utf-8"?>
+<p:sld xmlns:a="http://schemas.openxmlformats.org/drawingml/2006/main" xmlns:r="http://schemas.openxmlformats.org/officeDocument/2006/relationships" xmlns:p="http://schemas.openxmlformats.org/presentationml/2006/main">
+  <p:cSld>
+    <p:spTree>
+      <p:nvGrpSpPr>
+        <p:cNvPr id="1" name=""/>
+        <p:cNvGrpSpPr/>
+        <p:nvPr/>
+      </p:nvGrpSpPr>
+      <p:grpSpPr>
+        <a:xfrm>
+          <a:off x="0" y="0"/>
+          <a:ext cx="0" cy="0"/>
+          <a:chOff x="0" y="0"/>
+          <a:chExt cx="0" cy="0"/>
+        </a:xfrm>
+      </p:grpSpPr>
+    </p:spTree>
+  </p:cSld>
+  <p:clrMapOvr>
+    <a:masterClrMapping/>
+  </p:clrMapOvr>
+</p:sld>
+</file>
+
+<file path=ppt/slides/slide9.xml><?xml version="1.0" encoding="utf-8"?>
 <p:sld xmlns:a="http://schemas.openxmlformats.org/drawingml/2006/main" xmlns:r="http://schemas.openxmlformats.org/officeDocument/2006/relationships" xmlns:p="http://schemas.openxmlformats.org/presentationml/2006/main">
   <p:cSld>
     <p:spTree>
